--- a/宣道詩/(宣道詩108)頌讚主名.pptx
+++ b/宣道詩/(宣道詩108)頌讚主名.pptx
@@ -5,14 +5,19 @@
     <p:sldMasterId id="2147483672" r:id="rId1"/>
   </p:sldMasterIdLst>
   <p:sldIdLst>
-    <p:sldId id="256" r:id="rId2"/>
-    <p:sldId id="261" r:id="rId3"/>
-    <p:sldId id="257" r:id="rId4"/>
-    <p:sldId id="262" r:id="rId5"/>
-    <p:sldId id="258" r:id="rId6"/>
-    <p:sldId id="263" r:id="rId7"/>
-    <p:sldId id="259" r:id="rId8"/>
-    <p:sldId id="260" r:id="rId9"/>
+    <p:sldId id="264" r:id="rId2"/>
+    <p:sldId id="265" r:id="rId3"/>
+    <p:sldId id="266" r:id="rId4"/>
+    <p:sldId id="267" r:id="rId5"/>
+    <p:sldId id="268" r:id="rId6"/>
+    <p:sldId id="269" r:id="rId7"/>
+    <p:sldId id="270" r:id="rId8"/>
+    <p:sldId id="271" r:id="rId9"/>
+    <p:sldId id="272" r:id="rId10"/>
+    <p:sldId id="273" r:id="rId11"/>
+    <p:sldId id="274" r:id="rId12"/>
+    <p:sldId id="275" r:id="rId13"/>
+    <p:sldId id="276" r:id="rId14"/>
   </p:sldIdLst>
   <p:sldSz cx="12192000" cy="6858000"/>
   <p:notesSz cx="6858000" cy="9144000"/>
@@ -312,7 +317,7 @@
             <a:fld id="{C6AA4BA2-E9B8-4EFE-9EAE-9EAA4387E320}" type="datetimeFigureOut">
               <a:rPr lang="zh-TW" altLang="en-US" smtClean="0"/>
               <a:pPr/>
-              <a:t>2020/5/1</a:t>
+              <a:t>2021/7/8</a:t>
             </a:fld>
             <a:endParaRPr lang="zh-TW" altLang="en-US"/>
           </a:p>
@@ -479,7 +484,7 @@
             <a:fld id="{C6AA4BA2-E9B8-4EFE-9EAE-9EAA4387E320}" type="datetimeFigureOut">
               <a:rPr lang="zh-TW" altLang="en-US" smtClean="0"/>
               <a:pPr/>
-              <a:t>2020/5/1</a:t>
+              <a:t>2021/7/8</a:t>
             </a:fld>
             <a:endParaRPr lang="zh-TW" altLang="en-US"/>
           </a:p>
@@ -656,7 +661,7 @@
             <a:fld id="{C6AA4BA2-E9B8-4EFE-9EAE-9EAA4387E320}" type="datetimeFigureOut">
               <a:rPr lang="zh-TW" altLang="en-US" smtClean="0"/>
               <a:pPr/>
-              <a:t>2020/5/1</a:t>
+              <a:t>2021/7/8</a:t>
             </a:fld>
             <a:endParaRPr lang="zh-TW" altLang="en-US"/>
           </a:p>
@@ -823,7 +828,7 @@
             <a:fld id="{C6AA4BA2-E9B8-4EFE-9EAE-9EAA4387E320}" type="datetimeFigureOut">
               <a:rPr lang="zh-TW" altLang="en-US" smtClean="0"/>
               <a:pPr/>
-              <a:t>2020/5/1</a:t>
+              <a:t>2021/7/8</a:t>
             </a:fld>
             <a:endParaRPr lang="zh-TW" altLang="en-US"/>
           </a:p>
@@ -1066,7 +1071,7 @@
             <a:fld id="{C6AA4BA2-E9B8-4EFE-9EAE-9EAA4387E320}" type="datetimeFigureOut">
               <a:rPr lang="zh-TW" altLang="en-US" smtClean="0"/>
               <a:pPr/>
-              <a:t>2020/5/1</a:t>
+              <a:t>2021/7/8</a:t>
             </a:fld>
             <a:endParaRPr lang="zh-TW" altLang="en-US"/>
           </a:p>
@@ -1351,7 +1356,7 @@
             <a:fld id="{C6AA4BA2-E9B8-4EFE-9EAE-9EAA4387E320}" type="datetimeFigureOut">
               <a:rPr lang="zh-TW" altLang="en-US" smtClean="0"/>
               <a:pPr/>
-              <a:t>2020/5/1</a:t>
+              <a:t>2021/7/8</a:t>
             </a:fld>
             <a:endParaRPr lang="zh-TW" altLang="en-US"/>
           </a:p>
@@ -1770,7 +1775,7 @@
             <a:fld id="{C6AA4BA2-E9B8-4EFE-9EAE-9EAA4387E320}" type="datetimeFigureOut">
               <a:rPr lang="zh-TW" altLang="en-US" smtClean="0"/>
               <a:pPr/>
-              <a:t>2020/5/1</a:t>
+              <a:t>2021/7/8</a:t>
             </a:fld>
             <a:endParaRPr lang="zh-TW" altLang="en-US"/>
           </a:p>
@@ -1885,7 +1890,7 @@
             <a:fld id="{C6AA4BA2-E9B8-4EFE-9EAE-9EAA4387E320}" type="datetimeFigureOut">
               <a:rPr lang="zh-TW" altLang="en-US" smtClean="0"/>
               <a:pPr/>
-              <a:t>2020/5/1</a:t>
+              <a:t>2021/7/8</a:t>
             </a:fld>
             <a:endParaRPr lang="zh-TW" altLang="en-US"/>
           </a:p>
@@ -1977,7 +1982,7 @@
             <a:fld id="{C6AA4BA2-E9B8-4EFE-9EAE-9EAA4387E320}" type="datetimeFigureOut">
               <a:rPr lang="zh-TW" altLang="en-US" smtClean="0"/>
               <a:pPr/>
-              <a:t>2020/5/1</a:t>
+              <a:t>2021/7/8</a:t>
             </a:fld>
             <a:endParaRPr lang="zh-TW" altLang="en-US"/>
           </a:p>
@@ -2251,7 +2256,7 @@
             <a:fld id="{C6AA4BA2-E9B8-4EFE-9EAE-9EAA4387E320}" type="datetimeFigureOut">
               <a:rPr lang="zh-TW" altLang="en-US" smtClean="0"/>
               <a:pPr/>
-              <a:t>2020/5/1</a:t>
+              <a:t>2021/7/8</a:t>
             </a:fld>
             <a:endParaRPr lang="zh-TW" altLang="en-US"/>
           </a:p>
@@ -2505,7 +2510,7 @@
             <a:fld id="{C6AA4BA2-E9B8-4EFE-9EAE-9EAA4387E320}" type="datetimeFigureOut">
               <a:rPr lang="zh-TW" altLang="en-US" smtClean="0"/>
               <a:pPr/>
-              <a:t>2020/5/1</a:t>
+              <a:t>2021/7/8</a:t>
             </a:fld>
             <a:endParaRPr lang="zh-TW" altLang="en-US"/>
           </a:p>
@@ -2720,7 +2725,7 @@
             <a:fld id="{C6AA4BA2-E9B8-4EFE-9EAE-9EAA4387E320}" type="datetimeFigureOut">
               <a:rPr lang="zh-TW" altLang="en-US" smtClean="0"/>
               <a:pPr/>
-              <a:t>2020/5/1</a:t>
+              <a:t>2021/7/8</a:t>
             </a:fld>
             <a:endParaRPr lang="zh-TW" altLang="en-US"/>
           </a:p>
@@ -3101,24 +3106,159 @@
             <p:ph type="title"/>
           </p:nvPr>
         </p:nvSpPr>
-        <p:spPr/>
-        <p:txBody>
-          <a:bodyPr/>
-          <a:lstStyle/>
-          <a:p>
-            <a:r>
-              <a:rPr lang="zh-TW" altLang="en-US" b="1" dirty="0">
-                <a:solidFill>
-                  <a:srgbClr val="000066"/>
-                </a:solidFill>
+        <p:spPr>
+          <a:xfrm>
+            <a:off x="0" y="2660915"/>
+            <a:ext cx="12192000" cy="1143000"/>
+          </a:xfrm>
+        </p:spPr>
+        <p:txBody>
+          <a:bodyPr>
+            <a:noAutofit/>
+          </a:bodyPr>
+          <a:lstStyle/>
+          <a:p>
+            <a:r>
+              <a:rPr lang="zh-CN" altLang="en-US" sz="5333" b="1" u="sng" dirty="0">
+                <a:solidFill>
+                  <a:srgbClr val="660033"/>
+                </a:solidFill>
+                <a:effectLst>
+                  <a:outerShdw blurRad="38100" dist="38100" dir="2700000" algn="tl">
+                    <a:srgbClr val="000000">
+                      <a:alpha val="43137"/>
+                    </a:srgbClr>
+                  </a:outerShdw>
+                </a:effectLst>
                 <a:latin typeface="微軟正黑體" pitchFamily="34" charset="-120"/>
                 <a:ea typeface="微軟正黑體" pitchFamily="34" charset="-120"/>
               </a:rPr>
-              <a:t>頌讚主名</a:t>
-            </a:r>
-          </a:p>
-        </p:txBody>
-      </p:sp>
+              <a:t>宣道詩 </a:t>
+            </a:r>
+            <a:r>
+              <a:rPr lang="en-US" altLang="zh-CN" sz="5333" b="1" u="sng" dirty="0">
+                <a:solidFill>
+                  <a:srgbClr val="660033"/>
+                </a:solidFill>
+                <a:effectLst>
+                  <a:outerShdw blurRad="38100" dist="38100" dir="2700000" algn="tl">
+                    <a:srgbClr val="000000">
+                      <a:alpha val="43137"/>
+                    </a:srgbClr>
+                  </a:outerShdw>
+                </a:effectLst>
+                <a:latin typeface="微軟正黑體" pitchFamily="34" charset="-120"/>
+                <a:ea typeface="微軟正黑體" pitchFamily="34" charset="-120"/>
+              </a:rPr>
+              <a:t>108</a:t>
+            </a:r>
+            <a:r>
+              <a:rPr lang="en-US" altLang="zh-CN" sz="7200" b="1" i="1" dirty="0">
+                <a:solidFill>
+                  <a:srgbClr val="660033"/>
+                </a:solidFill>
+                <a:effectLst>
+                  <a:outerShdw blurRad="38100" dist="38100" dir="2700000" algn="tl">
+                    <a:srgbClr val="000000">
+                      <a:alpha val="43137"/>
+                    </a:srgbClr>
+                  </a:outerShdw>
+                </a:effectLst>
+                <a:latin typeface="微軟正黑體" pitchFamily="34" charset="-120"/>
+                <a:ea typeface="微軟正黑體" pitchFamily="34" charset="-120"/>
+              </a:rPr>
+              <a:t/>
+            </a:r>
+            <a:br>
+              <a:rPr lang="en-US" altLang="zh-CN" sz="7200" b="1" i="1" dirty="0">
+                <a:solidFill>
+                  <a:srgbClr val="660033"/>
+                </a:solidFill>
+                <a:effectLst>
+                  <a:outerShdw blurRad="38100" dist="38100" dir="2700000" algn="tl">
+                    <a:srgbClr val="000000">
+                      <a:alpha val="43137"/>
+                    </a:srgbClr>
+                  </a:outerShdw>
+                </a:effectLst>
+                <a:latin typeface="微軟正黑體" pitchFamily="34" charset="-120"/>
+                <a:ea typeface="微軟正黑體" pitchFamily="34" charset="-120"/>
+              </a:rPr>
+            </a:br>
+            <a:r>
+              <a:rPr lang="zh-TW" altLang="en-US" sz="8000" b="1" dirty="0">
+                <a:solidFill>
+                  <a:srgbClr val="000066"/>
+                </a:solidFill>
+                <a:effectLst>
+                  <a:outerShdw blurRad="38100" dist="38100" dir="2700000" algn="tl">
+                    <a:srgbClr val="000000">
+                      <a:alpha val="43137"/>
+                    </a:srgbClr>
+                  </a:outerShdw>
+                </a:effectLst>
+                <a:latin typeface="微軟正黑體" pitchFamily="34" charset="-120"/>
+                <a:ea typeface="微軟正黑體" pitchFamily="34" charset="-120"/>
+              </a:rPr>
+              <a:t>頌</a:t>
+            </a:r>
+            <a:r>
+              <a:rPr lang="zh-TW" altLang="en-US" sz="8000" b="1" dirty="0">
+                <a:solidFill>
+                  <a:srgbClr val="000066"/>
+                </a:solidFill>
+                <a:effectLst>
+                  <a:outerShdw blurRad="38100" dist="38100" dir="2700000" algn="tl">
+                    <a:srgbClr val="000000">
+                      <a:alpha val="43137"/>
+                    </a:srgbClr>
+                  </a:outerShdw>
+                </a:effectLst>
+                <a:latin typeface="微軟正黑體" pitchFamily="34" charset="-120"/>
+                <a:ea typeface="微軟正黑體" pitchFamily="34" charset="-120"/>
+              </a:rPr>
+              <a:t>讚主名</a:t>
+            </a:r>
+          </a:p>
+        </p:txBody>
+      </p:sp>
+    </p:spTree>
+    <p:extLst>
+      <p:ext uri="{BB962C8B-B14F-4D97-AF65-F5344CB8AC3E}">
+        <p14:creationId xmlns:p14="http://schemas.microsoft.com/office/powerpoint/2010/main" val="2948743791"/>
+      </p:ext>
+    </p:extLst>
+  </p:cSld>
+  <p:clrMapOvr>
+    <a:masterClrMapping/>
+  </p:clrMapOvr>
+  <p:timing>
+    <p:tnLst>
+      <p:par>
+        <p:cTn id="1" dur="indefinite" restart="never" nodeType="tmRoot"/>
+      </p:par>
+    </p:tnLst>
+  </p:timing>
+</p:sld>
+</file>
+
+<file path=ppt/slides/slide10.xml><?xml version="1.0" encoding="utf-8"?>
+<p:sld xmlns:a="http://schemas.openxmlformats.org/drawingml/2006/main" xmlns:r="http://schemas.openxmlformats.org/officeDocument/2006/relationships" xmlns:p="http://schemas.openxmlformats.org/presentationml/2006/main">
+  <p:cSld>
+    <p:spTree>
+      <p:nvGrpSpPr>
+        <p:cNvPr id="1" name=""/>
+        <p:cNvGrpSpPr/>
+        <p:nvPr/>
+      </p:nvGrpSpPr>
+      <p:grpSpPr>
+        <a:xfrm>
+          <a:off x="0" y="0"/>
+          <a:ext cx="0" cy="0"/>
+          <a:chOff x="0" y="0"/>
+          <a:chExt cx="0" cy="0"/>
+        </a:xfrm>
+      </p:grpSpPr>
       <p:sp>
         <p:nvSpPr>
           <p:cNvPr id="5" name="內容版面配置區 4"/>
@@ -3129,9 +3269,14 @@
             <p:ph idx="1"/>
           </p:nvPr>
         </p:nvSpPr>
-        <p:spPr/>
-        <p:txBody>
-          <a:bodyPr>
+        <p:spPr>
+          <a:xfrm>
+            <a:off x="0" y="2084853"/>
+            <a:ext cx="12192000" cy="2404863"/>
+          </a:xfrm>
+        </p:spPr>
+        <p:txBody>
+          <a:bodyPr anchor="ctr">
             <a:normAutofit/>
           </a:bodyPr>
           <a:lstStyle/>
@@ -3140,16 +3285,16 @@
               <a:buNone/>
             </a:pPr>
             <a:r>
-              <a:rPr lang="zh-TW" altLang="en-US" sz="5400" b="1" dirty="0">
+              <a:rPr lang="zh-TW" altLang="en-US" sz="6400" b="1" dirty="0">
                 <a:solidFill>
                   <a:srgbClr val="000066"/>
                 </a:solidFill>
                 <a:latin typeface="微軟正黑體" pitchFamily="34" charset="-120"/>
                 <a:ea typeface="微軟正黑體" pitchFamily="34" charset="-120"/>
               </a:rPr>
-              <a:t>頌讚榮耀都歸主宰</a:t>
-            </a:r>
-            <a:endParaRPr lang="en-US" altLang="zh-TW" sz="5400" b="1" dirty="0">
+              <a:t>頌讚主聖名  頌讚主聖名</a:t>
+            </a:r>
+            <a:endParaRPr lang="en-US" altLang="zh-TW" sz="6400" b="1" dirty="0">
               <a:solidFill>
                 <a:srgbClr val="000066"/>
               </a:solidFill>
@@ -3162,16 +3307,16 @@
               <a:buNone/>
             </a:pPr>
             <a:r>
-              <a:rPr lang="zh-TW" altLang="en-US" sz="5400" b="1" dirty="0">
+              <a:rPr lang="zh-TW" altLang="en-US" sz="6400" b="1" dirty="0">
                 <a:solidFill>
                   <a:srgbClr val="000066"/>
                 </a:solidFill>
                 <a:latin typeface="微軟正黑體" pitchFamily="34" charset="-120"/>
                 <a:ea typeface="微軟正黑體" pitchFamily="34" charset="-120"/>
               </a:rPr>
-              <a:t>至尊全能真神</a:t>
-            </a:r>
-            <a:endParaRPr lang="en-US" altLang="zh-TW" sz="5400" b="1" dirty="0">
+              <a:t>頌讚榮耀歸主聖名</a:t>
+            </a:r>
+            <a:endParaRPr lang="en-US" altLang="zh-TW" sz="6400" b="1" dirty="0">
               <a:solidFill>
                 <a:srgbClr val="000066"/>
               </a:solidFill>
@@ -3179,21 +3324,140 @@
               <a:ea typeface="微軟正黑體" pitchFamily="34" charset="-120"/>
             </a:endParaRPr>
           </a:p>
+        </p:txBody>
+      </p:sp>
+      <p:sp>
+        <p:nvSpPr>
+          <p:cNvPr id="4" name="TextBox 3"/>
+          <p:cNvSpPr txBox="1"/>
+          <p:nvPr/>
+        </p:nvSpPr>
+        <p:spPr>
+          <a:xfrm>
+            <a:off x="0" y="5157194"/>
+            <a:ext cx="12192000" cy="830997"/>
+          </a:xfrm>
+          <a:prstGeom prst="rect">
+            <a:avLst/>
+          </a:prstGeom>
+          <a:noFill/>
+        </p:spPr>
+        <p:txBody>
+          <a:bodyPr wrap="square" rtlCol="0">
+            <a:spAutoFit/>
+          </a:bodyPr>
+          <a:lstStyle/>
+          <a:p>
+            <a:pPr algn="ctr"/>
+            <a:r>
+              <a:rPr lang="en-US" sz="4800" b="1" dirty="0">
+                <a:solidFill>
+                  <a:srgbClr val="000066"/>
+                </a:solidFill>
+                <a:effectLst/>
+              </a:rPr>
+              <a:t>( </a:t>
+            </a:r>
+            <a:r>
+              <a:rPr lang="en-US" sz="4800" b="1" dirty="0">
+                <a:solidFill>
+                  <a:srgbClr val="000066"/>
+                </a:solidFill>
+                <a:effectLst/>
+              </a:rPr>
+              <a:t>x2 </a:t>
+            </a:r>
+            <a:r>
+              <a:rPr lang="en-US" sz="4800" b="1" dirty="0">
+                <a:solidFill>
+                  <a:srgbClr val="000066"/>
+                </a:solidFill>
+                <a:effectLst/>
+              </a:rPr>
+              <a:t>)</a:t>
+            </a:r>
+            <a:endParaRPr lang="vi-VN" sz="4800" b="1" dirty="0">
+              <a:solidFill>
+                <a:srgbClr val="000066"/>
+              </a:solidFill>
+              <a:effectLst/>
+            </a:endParaRPr>
+          </a:p>
+        </p:txBody>
+      </p:sp>
+    </p:spTree>
+    <p:extLst>
+      <p:ext uri="{BB962C8B-B14F-4D97-AF65-F5344CB8AC3E}">
+        <p14:creationId xmlns:p14="http://schemas.microsoft.com/office/powerpoint/2010/main" val="664960521"/>
+      </p:ext>
+    </p:extLst>
+  </p:cSld>
+  <p:clrMapOvr>
+    <a:masterClrMapping/>
+  </p:clrMapOvr>
+  <p:timing>
+    <p:tnLst>
+      <p:par>
+        <p:cTn id="1" dur="indefinite" restart="never" nodeType="tmRoot"/>
+      </p:par>
+    </p:tnLst>
+  </p:timing>
+</p:sld>
+</file>
+
+<file path=ppt/slides/slide11.xml><?xml version="1.0" encoding="utf-8"?>
+<p:sld xmlns:a="http://schemas.openxmlformats.org/drawingml/2006/main" xmlns:r="http://schemas.openxmlformats.org/officeDocument/2006/relationships" xmlns:p="http://schemas.openxmlformats.org/presentationml/2006/main">
+  <p:cSld>
+    <p:spTree>
+      <p:nvGrpSpPr>
+        <p:cNvPr id="1" name=""/>
+        <p:cNvGrpSpPr/>
+        <p:nvPr/>
+      </p:nvGrpSpPr>
+      <p:grpSpPr>
+        <a:xfrm>
+          <a:off x="0" y="0"/>
+          <a:ext cx="0" cy="0"/>
+          <a:chOff x="0" y="0"/>
+          <a:chExt cx="0" cy="0"/>
+        </a:xfrm>
+      </p:grpSpPr>
+      <p:sp>
+        <p:nvSpPr>
+          <p:cNvPr id="5" name="內容版面配置區 4"/>
+          <p:cNvSpPr>
+            <a:spLocks noGrp="1"/>
+          </p:cNvSpPr>
+          <p:nvPr>
+            <p:ph idx="1"/>
+          </p:nvPr>
+        </p:nvSpPr>
+        <p:spPr>
+          <a:xfrm>
+            <a:off x="0" y="2084853"/>
+            <a:ext cx="12192000" cy="2404863"/>
+          </a:xfrm>
+        </p:spPr>
+        <p:txBody>
+          <a:bodyPr anchor="ctr">
+            <a:normAutofit/>
+          </a:bodyPr>
+          <a:lstStyle/>
           <a:p>
             <a:pPr algn="ctr">
               <a:buNone/>
             </a:pPr>
             <a:r>
-              <a:rPr lang="zh-TW" altLang="en-US" sz="5400" b="1" dirty="0">
+              <a:rPr lang="zh-TW" altLang="en-US" sz="6400" b="1" dirty="0">
                 <a:solidFill>
                   <a:srgbClr val="000066"/>
                 </a:solidFill>
                 <a:latin typeface="微軟正黑體" pitchFamily="34" charset="-120"/>
                 <a:ea typeface="微軟正黑體" pitchFamily="34" charset="-120"/>
               </a:rPr>
-              <a:t>祂愛世人差獨生子</a:t>
-            </a:r>
-            <a:endParaRPr lang="en-US" altLang="zh-TW" sz="5400" b="1" dirty="0">
+              <a:t>祂名稱為奇妙策士</a:t>
+            </a:r>
+            <a:endParaRPr lang="en-US" altLang="zh-TW" sz="6400" b="1" dirty="0">
               <a:solidFill>
                 <a:srgbClr val="000066"/>
               </a:solidFill>
@@ -3206,28 +3470,35 @@
               <a:buNone/>
             </a:pPr>
             <a:r>
-              <a:rPr lang="zh-TW" altLang="en-US" sz="5400" b="1" dirty="0">
+              <a:rPr lang="zh-TW" altLang="en-US" sz="6400" b="1" dirty="0">
                 <a:solidFill>
                   <a:srgbClr val="000066"/>
                 </a:solidFill>
                 <a:latin typeface="微軟正黑體" pitchFamily="34" charset="-120"/>
                 <a:ea typeface="微軟正黑體" pitchFamily="34" charset="-120"/>
               </a:rPr>
-              <a:t>為人受死捨身</a:t>
-            </a:r>
-          </a:p>
-        </p:txBody>
-      </p:sp>
-      <p:sp>
-        <p:nvSpPr>
-          <p:cNvPr id="2" name="TextBox 1"/>
+              <a:t>和平全能之君</a:t>
+            </a:r>
+            <a:endParaRPr lang="en-US" altLang="zh-TW" sz="6400" b="1" dirty="0">
+              <a:solidFill>
+                <a:srgbClr val="000066"/>
+              </a:solidFill>
+              <a:latin typeface="微軟正黑體" pitchFamily="34" charset="-120"/>
+              <a:ea typeface="微軟正黑體" pitchFamily="34" charset="-120"/>
+            </a:endParaRPr>
+          </a:p>
+        </p:txBody>
+      </p:sp>
+      <p:sp>
+        <p:nvSpPr>
+          <p:cNvPr id="3" name="TextBox 2"/>
           <p:cNvSpPr txBox="1"/>
           <p:nvPr/>
         </p:nvSpPr>
         <p:spPr>
           <a:xfrm>
-            <a:off x="1127448" y="1577040"/>
-            <a:ext cx="936104" cy="1015663"/>
+            <a:off x="0" y="5157194"/>
+            <a:ext cx="12192000" cy="830997"/>
           </a:xfrm>
           <a:prstGeom prst="rect">
             <a:avLst/>
@@ -3240,27 +3511,386 @@
           </a:bodyPr>
           <a:lstStyle/>
           <a:p>
-            <a:r>
-              <a:rPr lang="en-US" sz="6000" b="1" dirty="0" smtClean="0">
-                <a:solidFill>
-                  <a:srgbClr val="000066"/>
-                </a:solidFill>
-              </a:rPr>
-              <a:t>1.</a:t>
-            </a:r>
-            <a:endParaRPr lang="vi-VN" sz="6000" b="1" dirty="0">
+            <a:pPr algn="ctr"/>
+            <a:r>
+              <a:rPr lang="en-US" sz="4800" b="1" dirty="0">
+                <a:solidFill>
+                  <a:srgbClr val="000066"/>
+                </a:solidFill>
+                <a:effectLst/>
+              </a:rPr>
+              <a:t>( </a:t>
+            </a:r>
+            <a:r>
+              <a:rPr lang="en-US" sz="4800" b="1" dirty="0">
+                <a:solidFill>
+                  <a:srgbClr val="000066"/>
+                </a:solidFill>
+                <a:effectLst/>
+              </a:rPr>
+              <a:t>4 </a:t>
+            </a:r>
+            <a:r>
+              <a:rPr lang="en-US" sz="4800" b="1" dirty="0">
+                <a:solidFill>
+                  <a:srgbClr val="000066"/>
+                </a:solidFill>
+                <a:effectLst/>
+              </a:rPr>
+              <a:t>)</a:t>
+            </a:r>
+            <a:endParaRPr lang="vi-VN" sz="4800" b="1" dirty="0">
               <a:solidFill>
                 <a:srgbClr val="000066"/>
               </a:solidFill>
+              <a:effectLst/>
             </a:endParaRPr>
           </a:p>
         </p:txBody>
       </p:sp>
     </p:spTree>
+    <p:extLst>
+      <p:ext uri="{BB962C8B-B14F-4D97-AF65-F5344CB8AC3E}">
+        <p14:creationId xmlns:p14="http://schemas.microsoft.com/office/powerpoint/2010/main" val="3209160743"/>
+      </p:ext>
+    </p:extLst>
   </p:cSld>
   <p:clrMapOvr>
     <a:masterClrMapping/>
   </p:clrMapOvr>
+  <p:timing>
+    <p:tnLst>
+      <p:par>
+        <p:cTn id="1" dur="indefinite" restart="never" nodeType="tmRoot"/>
+      </p:par>
+    </p:tnLst>
+  </p:timing>
+</p:sld>
+</file>
+
+<file path=ppt/slides/slide12.xml><?xml version="1.0" encoding="utf-8"?>
+<p:sld xmlns:a="http://schemas.openxmlformats.org/drawingml/2006/main" xmlns:r="http://schemas.openxmlformats.org/officeDocument/2006/relationships" xmlns:p="http://schemas.openxmlformats.org/presentationml/2006/main">
+  <p:cSld>
+    <p:spTree>
+      <p:nvGrpSpPr>
+        <p:cNvPr id="1" name=""/>
+        <p:cNvGrpSpPr/>
+        <p:nvPr/>
+      </p:nvGrpSpPr>
+      <p:grpSpPr>
+        <a:xfrm>
+          <a:off x="0" y="0"/>
+          <a:ext cx="0" cy="0"/>
+          <a:chOff x="0" y="0"/>
+          <a:chExt cx="0" cy="0"/>
+        </a:xfrm>
+      </p:grpSpPr>
+      <p:sp>
+        <p:nvSpPr>
+          <p:cNvPr id="5" name="內容版面配置區 4"/>
+          <p:cNvSpPr>
+            <a:spLocks noGrp="1"/>
+          </p:cNvSpPr>
+          <p:nvPr>
+            <p:ph idx="1"/>
+          </p:nvPr>
+        </p:nvSpPr>
+        <p:spPr>
+          <a:xfrm>
+            <a:off x="0" y="2084853"/>
+            <a:ext cx="12192000" cy="2404863"/>
+          </a:xfrm>
+        </p:spPr>
+        <p:txBody>
+          <a:bodyPr anchor="ctr">
+            <a:normAutofit/>
+          </a:bodyPr>
+          <a:lstStyle/>
+          <a:p>
+            <a:pPr algn="ctr">
+              <a:buNone/>
+            </a:pPr>
+            <a:r>
+              <a:rPr lang="zh-TW" altLang="en-US" sz="6400" b="1" dirty="0">
+                <a:solidFill>
+                  <a:srgbClr val="000066"/>
+                </a:solidFill>
+                <a:latin typeface="微軟正黑體" pitchFamily="34" charset="-120"/>
+                <a:ea typeface="微軟正黑體" pitchFamily="34" charset="-120"/>
+              </a:rPr>
+              <a:t>萬王還須俯伏崇拜</a:t>
+            </a:r>
+            <a:endParaRPr lang="en-US" altLang="zh-TW" sz="6400" b="1" dirty="0">
+              <a:solidFill>
+                <a:srgbClr val="000066"/>
+              </a:solidFill>
+              <a:latin typeface="微軟正黑體" pitchFamily="34" charset="-120"/>
+              <a:ea typeface="微軟正黑體" pitchFamily="34" charset="-120"/>
+            </a:endParaRPr>
+          </a:p>
+          <a:p>
+            <a:pPr algn="ctr">
+              <a:buNone/>
+            </a:pPr>
+            <a:r>
+              <a:rPr lang="zh-TW" altLang="en-US" sz="6400" b="1" dirty="0">
+                <a:solidFill>
+                  <a:srgbClr val="000066"/>
+                </a:solidFill>
+                <a:latin typeface="微軟正黑體" pitchFamily="34" charset="-120"/>
+                <a:ea typeface="微軟正黑體" pitchFamily="34" charset="-120"/>
+              </a:rPr>
+              <a:t>掌權無窮無盡</a:t>
+            </a:r>
+            <a:endParaRPr lang="zh-TW" altLang="en-US" sz="6400" b="1" dirty="0">
+              <a:solidFill>
+                <a:srgbClr val="000066"/>
+              </a:solidFill>
+              <a:latin typeface="微軟正黑體" pitchFamily="34" charset="-120"/>
+              <a:ea typeface="微軟正黑體" pitchFamily="34" charset="-120"/>
+            </a:endParaRPr>
+          </a:p>
+        </p:txBody>
+      </p:sp>
+      <p:sp>
+        <p:nvSpPr>
+          <p:cNvPr id="3" name="TextBox 2"/>
+          <p:cNvSpPr txBox="1"/>
+          <p:nvPr/>
+        </p:nvSpPr>
+        <p:spPr>
+          <a:xfrm>
+            <a:off x="0" y="5157194"/>
+            <a:ext cx="12192000" cy="830997"/>
+          </a:xfrm>
+          <a:prstGeom prst="rect">
+            <a:avLst/>
+          </a:prstGeom>
+          <a:noFill/>
+        </p:spPr>
+        <p:txBody>
+          <a:bodyPr wrap="square" rtlCol="0">
+            <a:spAutoFit/>
+          </a:bodyPr>
+          <a:lstStyle/>
+          <a:p>
+            <a:pPr algn="ctr"/>
+            <a:r>
+              <a:rPr lang="en-US" sz="4800" b="1" dirty="0">
+                <a:solidFill>
+                  <a:srgbClr val="000066"/>
+                </a:solidFill>
+                <a:effectLst/>
+              </a:rPr>
+              <a:t>( </a:t>
+            </a:r>
+            <a:r>
+              <a:rPr lang="en-US" sz="4800" b="1" dirty="0">
+                <a:solidFill>
+                  <a:srgbClr val="000066"/>
+                </a:solidFill>
+                <a:effectLst/>
+              </a:rPr>
+              <a:t>4 </a:t>
+            </a:r>
+            <a:r>
+              <a:rPr lang="en-US" sz="4800" b="1" dirty="0">
+                <a:solidFill>
+                  <a:srgbClr val="000066"/>
+                </a:solidFill>
+                <a:effectLst/>
+              </a:rPr>
+              <a:t>)</a:t>
+            </a:r>
+            <a:endParaRPr lang="vi-VN" sz="4800" b="1" dirty="0">
+              <a:solidFill>
+                <a:srgbClr val="000066"/>
+              </a:solidFill>
+              <a:effectLst/>
+            </a:endParaRPr>
+          </a:p>
+        </p:txBody>
+      </p:sp>
+    </p:spTree>
+    <p:extLst>
+      <p:ext uri="{BB962C8B-B14F-4D97-AF65-F5344CB8AC3E}">
+        <p14:creationId xmlns:p14="http://schemas.microsoft.com/office/powerpoint/2010/main" val="92835997"/>
+      </p:ext>
+    </p:extLst>
+  </p:cSld>
+  <p:clrMapOvr>
+    <a:masterClrMapping/>
+  </p:clrMapOvr>
+  <p:timing>
+    <p:tnLst>
+      <p:par>
+        <p:cTn id="1" dur="indefinite" restart="never" nodeType="tmRoot"/>
+      </p:par>
+    </p:tnLst>
+  </p:timing>
+</p:sld>
+</file>
+
+<file path=ppt/slides/slide13.xml><?xml version="1.0" encoding="utf-8"?>
+<p:sld xmlns:a="http://schemas.openxmlformats.org/drawingml/2006/main" xmlns:r="http://schemas.openxmlformats.org/officeDocument/2006/relationships" xmlns:p="http://schemas.openxmlformats.org/presentationml/2006/main">
+  <p:cSld>
+    <p:spTree>
+      <p:nvGrpSpPr>
+        <p:cNvPr id="1" name=""/>
+        <p:cNvGrpSpPr/>
+        <p:nvPr/>
+      </p:nvGrpSpPr>
+      <p:grpSpPr>
+        <a:xfrm>
+          <a:off x="0" y="0"/>
+          <a:ext cx="0" cy="0"/>
+          <a:chOff x="0" y="0"/>
+          <a:chExt cx="0" cy="0"/>
+        </a:xfrm>
+      </p:grpSpPr>
+      <p:sp>
+        <p:nvSpPr>
+          <p:cNvPr id="5" name="內容版面配置區 4"/>
+          <p:cNvSpPr>
+            <a:spLocks noGrp="1"/>
+          </p:cNvSpPr>
+          <p:nvPr>
+            <p:ph idx="1"/>
+          </p:nvPr>
+        </p:nvSpPr>
+        <p:spPr>
+          <a:xfrm>
+            <a:off x="0" y="2084853"/>
+            <a:ext cx="12192000" cy="2404863"/>
+          </a:xfrm>
+        </p:spPr>
+        <p:txBody>
+          <a:bodyPr anchor="ctr">
+            <a:normAutofit/>
+          </a:bodyPr>
+          <a:lstStyle/>
+          <a:p>
+            <a:pPr algn="ctr">
+              <a:buNone/>
+            </a:pPr>
+            <a:r>
+              <a:rPr lang="zh-TW" altLang="en-US" sz="6400" b="1" dirty="0">
+                <a:solidFill>
+                  <a:srgbClr val="000066"/>
+                </a:solidFill>
+                <a:latin typeface="微軟正黑體" pitchFamily="34" charset="-120"/>
+                <a:ea typeface="微軟正黑體" pitchFamily="34" charset="-120"/>
+              </a:rPr>
+              <a:t>頌讚主聖名  頌讚主聖名</a:t>
+            </a:r>
+            <a:endParaRPr lang="en-US" altLang="zh-TW" sz="6400" b="1" dirty="0">
+              <a:solidFill>
+                <a:srgbClr val="000066"/>
+              </a:solidFill>
+              <a:latin typeface="微軟正黑體" pitchFamily="34" charset="-120"/>
+              <a:ea typeface="微軟正黑體" pitchFamily="34" charset="-120"/>
+            </a:endParaRPr>
+          </a:p>
+          <a:p>
+            <a:pPr algn="ctr">
+              <a:buNone/>
+            </a:pPr>
+            <a:r>
+              <a:rPr lang="zh-TW" altLang="en-US" sz="6400" b="1" dirty="0">
+                <a:solidFill>
+                  <a:srgbClr val="000066"/>
+                </a:solidFill>
+                <a:latin typeface="微軟正黑體" pitchFamily="34" charset="-120"/>
+                <a:ea typeface="微軟正黑體" pitchFamily="34" charset="-120"/>
+              </a:rPr>
+              <a:t>頌讚榮耀歸主聖名</a:t>
+            </a:r>
+            <a:endParaRPr lang="en-US" altLang="zh-TW" sz="6400" b="1" dirty="0">
+              <a:solidFill>
+                <a:srgbClr val="000066"/>
+              </a:solidFill>
+              <a:latin typeface="微軟正黑體" pitchFamily="34" charset="-120"/>
+              <a:ea typeface="微軟正黑體" pitchFamily="34" charset="-120"/>
+            </a:endParaRPr>
+          </a:p>
+        </p:txBody>
+      </p:sp>
+      <p:sp>
+        <p:nvSpPr>
+          <p:cNvPr id="4" name="TextBox 3"/>
+          <p:cNvSpPr txBox="1"/>
+          <p:nvPr/>
+        </p:nvSpPr>
+        <p:spPr>
+          <a:xfrm>
+            <a:off x="0" y="5157194"/>
+            <a:ext cx="12192000" cy="830997"/>
+          </a:xfrm>
+          <a:prstGeom prst="rect">
+            <a:avLst/>
+          </a:prstGeom>
+          <a:noFill/>
+        </p:spPr>
+        <p:txBody>
+          <a:bodyPr wrap="square" rtlCol="0">
+            <a:spAutoFit/>
+          </a:bodyPr>
+          <a:lstStyle/>
+          <a:p>
+            <a:pPr algn="ctr"/>
+            <a:r>
+              <a:rPr lang="en-US" sz="4800" b="1" dirty="0">
+                <a:solidFill>
+                  <a:srgbClr val="000066"/>
+                </a:solidFill>
+                <a:effectLst/>
+              </a:rPr>
+              <a:t>( </a:t>
+            </a:r>
+            <a:r>
+              <a:rPr lang="en-US" sz="4800" b="1" dirty="0">
+                <a:solidFill>
+                  <a:srgbClr val="000066"/>
+                </a:solidFill>
+                <a:effectLst/>
+              </a:rPr>
+              <a:t>x2 </a:t>
+            </a:r>
+            <a:r>
+              <a:rPr lang="en-US" sz="4800" b="1" dirty="0">
+                <a:solidFill>
+                  <a:srgbClr val="000066"/>
+                </a:solidFill>
+                <a:effectLst/>
+              </a:rPr>
+              <a:t>)</a:t>
+            </a:r>
+            <a:endParaRPr lang="vi-VN" sz="4800" b="1" dirty="0">
+              <a:solidFill>
+                <a:srgbClr val="000066"/>
+              </a:solidFill>
+              <a:effectLst/>
+            </a:endParaRPr>
+          </a:p>
+        </p:txBody>
+      </p:sp>
+    </p:spTree>
+    <p:extLst>
+      <p:ext uri="{BB962C8B-B14F-4D97-AF65-F5344CB8AC3E}">
+        <p14:creationId xmlns:p14="http://schemas.microsoft.com/office/powerpoint/2010/main" val="3278338163"/>
+      </p:ext>
+    </p:extLst>
+  </p:cSld>
+  <p:clrMapOvr>
+    <a:masterClrMapping/>
+  </p:clrMapOvr>
+  <p:timing>
+    <p:tnLst>
+      <p:par>
+        <p:cTn id="1" dur="indefinite" restart="never" nodeType="tmRoot"/>
+      </p:par>
+    </p:tnLst>
+  </p:timing>
 </p:sld>
 </file>
 
@@ -3283,65 +3913,40 @@
       </p:grpSpPr>
       <p:sp>
         <p:nvSpPr>
-          <p:cNvPr id="4" name="標題 3"/>
-          <p:cNvSpPr>
-            <a:spLocks noGrp="1"/>
-          </p:cNvSpPr>
-          <p:nvPr>
-            <p:ph type="title"/>
-          </p:nvPr>
-        </p:nvSpPr>
-        <p:spPr/>
-        <p:txBody>
-          <a:bodyPr>
+          <p:cNvPr id="5" name="內容版面配置區 4"/>
+          <p:cNvSpPr>
+            <a:spLocks noGrp="1"/>
+          </p:cNvSpPr>
+          <p:nvPr>
+            <p:ph idx="1"/>
+          </p:nvPr>
+        </p:nvSpPr>
+        <p:spPr>
+          <a:xfrm>
+            <a:off x="0" y="2084853"/>
+            <a:ext cx="12192000" cy="2404863"/>
+          </a:xfrm>
+        </p:spPr>
+        <p:txBody>
+          <a:bodyPr anchor="ctr">
             <a:normAutofit/>
           </a:bodyPr>
           <a:lstStyle/>
           <a:p>
-            <a:r>
-              <a:rPr lang="zh-TW" altLang="en-US" b="1" dirty="0">
+            <a:pPr algn="ctr">
+              <a:buNone/>
+            </a:pPr>
+            <a:r>
+              <a:rPr lang="zh-TW" altLang="en-US" sz="6400" b="1" dirty="0">
                 <a:solidFill>
                   <a:srgbClr val="000066"/>
                 </a:solidFill>
                 <a:latin typeface="微軟正黑體" pitchFamily="34" charset="-120"/>
                 <a:ea typeface="微軟正黑體" pitchFamily="34" charset="-120"/>
               </a:rPr>
-              <a:t>頌讚主名</a:t>
-            </a:r>
-          </a:p>
-        </p:txBody>
-      </p:sp>
-      <p:sp>
-        <p:nvSpPr>
-          <p:cNvPr id="5" name="內容版面配置區 4"/>
-          <p:cNvSpPr>
-            <a:spLocks noGrp="1"/>
-          </p:cNvSpPr>
-          <p:nvPr>
-            <p:ph idx="1"/>
-          </p:nvPr>
-        </p:nvSpPr>
-        <p:spPr/>
-        <p:txBody>
-          <a:bodyPr>
-            <a:normAutofit/>
-          </a:bodyPr>
-          <a:lstStyle/>
-          <a:p>
-            <a:pPr algn="ctr">
-              <a:buNone/>
-            </a:pPr>
-            <a:r>
-              <a:rPr lang="zh-TW" altLang="en-US" sz="5400" b="1" dirty="0">
-                <a:solidFill>
-                  <a:srgbClr val="000066"/>
-                </a:solidFill>
-                <a:latin typeface="微軟正黑體" pitchFamily="34" charset="-120"/>
-                <a:ea typeface="微軟正黑體" pitchFamily="34" charset="-120"/>
-              </a:rPr>
-              <a:t>頌讚主聖名 頌讚主聖名</a:t>
-            </a:r>
-            <a:endParaRPr lang="en-US" altLang="zh-TW" sz="5400" b="1" dirty="0">
+              <a:t>頌讚榮耀都歸主宰</a:t>
+            </a:r>
+            <a:endParaRPr lang="en-US" altLang="zh-TW" sz="6400" b="1" dirty="0">
               <a:solidFill>
                 <a:srgbClr val="000066"/>
               </a:solidFill>
@@ -3354,16 +3959,16 @@
               <a:buNone/>
             </a:pPr>
             <a:r>
-              <a:rPr lang="zh-TW" altLang="en-US" sz="5400" b="1" dirty="0">
+              <a:rPr lang="zh-TW" altLang="en-US" sz="6400" b="1" dirty="0">
                 <a:solidFill>
                   <a:srgbClr val="000066"/>
                 </a:solidFill>
                 <a:latin typeface="微軟正黑體" pitchFamily="34" charset="-120"/>
                 <a:ea typeface="微軟正黑體" pitchFamily="34" charset="-120"/>
               </a:rPr>
-              <a:t>頌讚榮耀歸主聖名</a:t>
-            </a:r>
-            <a:endParaRPr lang="en-US" altLang="zh-TW" sz="5400" b="1" dirty="0">
+              <a:t>至尊全能真神</a:t>
+            </a:r>
+            <a:endParaRPr lang="en-US" altLang="zh-TW" sz="6400" b="1" dirty="0">
               <a:solidFill>
                 <a:srgbClr val="000066"/>
               </a:solidFill>
@@ -3371,50 +3976,66 @@
               <a:ea typeface="微軟正黑體" pitchFamily="34" charset="-120"/>
             </a:endParaRPr>
           </a:p>
-          <a:p>
-            <a:pPr algn="ctr">
-              <a:buNone/>
-            </a:pPr>
-            <a:r>
-              <a:rPr lang="zh-TW" altLang="en-US" sz="5400" b="1" dirty="0">
-                <a:solidFill>
-                  <a:srgbClr val="000066"/>
-                </a:solidFill>
-                <a:latin typeface="微軟正黑體" pitchFamily="34" charset="-120"/>
-                <a:ea typeface="微軟正黑體" pitchFamily="34" charset="-120"/>
-              </a:rPr>
-              <a:t>頌讚主聖名 頌讚主聖名</a:t>
-            </a:r>
-            <a:endParaRPr lang="en-US" altLang="zh-TW" sz="5400" b="1" dirty="0">
+        </p:txBody>
+      </p:sp>
+      <p:sp>
+        <p:nvSpPr>
+          <p:cNvPr id="3" name="TextBox 2"/>
+          <p:cNvSpPr txBox="1"/>
+          <p:nvPr/>
+        </p:nvSpPr>
+        <p:spPr>
+          <a:xfrm>
+            <a:off x="0" y="5157194"/>
+            <a:ext cx="12192000" cy="830997"/>
+          </a:xfrm>
+          <a:prstGeom prst="rect">
+            <a:avLst/>
+          </a:prstGeom>
+          <a:noFill/>
+        </p:spPr>
+        <p:txBody>
+          <a:bodyPr wrap="square" rtlCol="0">
+            <a:spAutoFit/>
+          </a:bodyPr>
+          <a:lstStyle/>
+          <a:p>
+            <a:pPr algn="ctr"/>
+            <a:r>
+              <a:rPr lang="en-US" sz="4800" b="1" dirty="0">
+                <a:solidFill>
+                  <a:srgbClr val="000066"/>
+                </a:solidFill>
+                <a:effectLst/>
+              </a:rPr>
+              <a:t>( 1 )</a:t>
+            </a:r>
+            <a:endParaRPr lang="vi-VN" sz="4800" b="1" dirty="0">
               <a:solidFill>
                 <a:srgbClr val="000066"/>
               </a:solidFill>
-              <a:latin typeface="微軟正黑體" pitchFamily="34" charset="-120"/>
-              <a:ea typeface="微軟正黑體" pitchFamily="34" charset="-120"/>
+              <a:effectLst/>
             </a:endParaRPr>
           </a:p>
-          <a:p>
-            <a:pPr algn="ctr">
-              <a:buNone/>
-            </a:pPr>
-            <a:r>
-              <a:rPr lang="zh-TW" altLang="en-US" sz="5400" b="1" dirty="0">
-                <a:solidFill>
-                  <a:srgbClr val="000066"/>
-                </a:solidFill>
-                <a:latin typeface="微軟正黑體" pitchFamily="34" charset="-120"/>
-                <a:ea typeface="微軟正黑體" pitchFamily="34" charset="-120"/>
-              </a:rPr>
-              <a:t>頌讚榮耀歸主聖名</a:t>
-            </a:r>
-          </a:p>
         </p:txBody>
       </p:sp>
     </p:spTree>
+    <p:extLst>
+      <p:ext uri="{BB962C8B-B14F-4D97-AF65-F5344CB8AC3E}">
+        <p14:creationId xmlns:p14="http://schemas.microsoft.com/office/powerpoint/2010/main" val="1652222198"/>
+      </p:ext>
+    </p:extLst>
   </p:cSld>
   <p:clrMapOvr>
     <a:masterClrMapping/>
   </p:clrMapOvr>
+  <p:timing>
+    <p:tnLst>
+      <p:par>
+        <p:cTn id="1" dur="indefinite" restart="never" nodeType="tmRoot"/>
+      </p:par>
+    </p:tnLst>
+  </p:timing>
 </p:sld>
 </file>
 
@@ -3437,63 +4058,40 @@
       </p:grpSpPr>
       <p:sp>
         <p:nvSpPr>
-          <p:cNvPr id="4" name="標題 3"/>
-          <p:cNvSpPr>
-            <a:spLocks noGrp="1"/>
-          </p:cNvSpPr>
-          <p:nvPr>
-            <p:ph type="title"/>
-          </p:nvPr>
-        </p:nvSpPr>
-        <p:spPr/>
-        <p:txBody>
-          <a:bodyPr/>
-          <a:lstStyle/>
-          <a:p>
-            <a:r>
-              <a:rPr lang="zh-TW" altLang="en-US" b="1" dirty="0">
+          <p:cNvPr id="5" name="內容版面配置區 4"/>
+          <p:cNvSpPr>
+            <a:spLocks noGrp="1"/>
+          </p:cNvSpPr>
+          <p:nvPr>
+            <p:ph idx="1"/>
+          </p:nvPr>
+        </p:nvSpPr>
+        <p:spPr>
+          <a:xfrm>
+            <a:off x="0" y="2084853"/>
+            <a:ext cx="12192000" cy="2404863"/>
+          </a:xfrm>
+        </p:spPr>
+        <p:txBody>
+          <a:bodyPr anchor="ctr">
+            <a:normAutofit/>
+          </a:bodyPr>
+          <a:lstStyle/>
+          <a:p>
+            <a:pPr algn="ctr">
+              <a:buNone/>
+            </a:pPr>
+            <a:r>
+              <a:rPr lang="zh-TW" altLang="en-US" sz="6400" b="1" dirty="0">
                 <a:solidFill>
                   <a:srgbClr val="000066"/>
                 </a:solidFill>
                 <a:latin typeface="微軟正黑體" pitchFamily="34" charset="-120"/>
                 <a:ea typeface="微軟正黑體" pitchFamily="34" charset="-120"/>
               </a:rPr>
-              <a:t>頌讚主名</a:t>
-            </a:r>
-          </a:p>
-        </p:txBody>
-      </p:sp>
-      <p:sp>
-        <p:nvSpPr>
-          <p:cNvPr id="5" name="內容版面配置區 4"/>
-          <p:cNvSpPr>
-            <a:spLocks noGrp="1"/>
-          </p:cNvSpPr>
-          <p:nvPr>
-            <p:ph idx="1"/>
-          </p:nvPr>
-        </p:nvSpPr>
-        <p:spPr/>
-        <p:txBody>
-          <a:bodyPr>
-            <a:normAutofit/>
-          </a:bodyPr>
-          <a:lstStyle/>
-          <a:p>
-            <a:pPr algn="ctr">
-              <a:buNone/>
-            </a:pPr>
-            <a:r>
-              <a:rPr lang="zh-TW" altLang="en-US" sz="5400" b="1" dirty="0">
-                <a:solidFill>
-                  <a:srgbClr val="000066"/>
-                </a:solidFill>
-                <a:latin typeface="微軟正黑體" pitchFamily="34" charset="-120"/>
-                <a:ea typeface="微軟正黑體" pitchFamily="34" charset="-120"/>
-              </a:rPr>
-              <a:t>主名超乎萬名之名</a:t>
-            </a:r>
-            <a:endParaRPr lang="en-US" altLang="zh-TW" sz="5400" b="1" dirty="0">
+              <a:t>祂愛世人差獨生子</a:t>
+            </a:r>
+            <a:endParaRPr lang="en-US" altLang="zh-TW" sz="6400" b="1" dirty="0">
               <a:solidFill>
                 <a:srgbClr val="000066"/>
               </a:solidFill>
@@ -3506,16 +4104,16 @@
               <a:buNone/>
             </a:pPr>
             <a:r>
-              <a:rPr lang="zh-TW" altLang="en-US" sz="5400" b="1" dirty="0">
+              <a:rPr lang="zh-TW" altLang="en-US" sz="6400" b="1" dirty="0">
                 <a:solidFill>
                   <a:srgbClr val="000066"/>
                 </a:solidFill>
                 <a:latin typeface="微軟正黑體" pitchFamily="34" charset="-120"/>
                 <a:ea typeface="微軟正黑體" pitchFamily="34" charset="-120"/>
               </a:rPr>
-              <a:t>至高至尊至聖</a:t>
-            </a:r>
-            <a:endParaRPr lang="en-US" altLang="zh-TW" sz="5400" b="1" dirty="0">
+              <a:t>為人受死捨身</a:t>
+            </a:r>
+            <a:endParaRPr lang="zh-TW" altLang="en-US" sz="6400" b="1" dirty="0">
               <a:solidFill>
                 <a:srgbClr val="000066"/>
               </a:solidFill>
@@ -3523,55 +4121,18 @@
               <a:ea typeface="微軟正黑體" pitchFamily="34" charset="-120"/>
             </a:endParaRPr>
           </a:p>
-          <a:p>
-            <a:pPr algn="ctr">
-              <a:buNone/>
-            </a:pPr>
-            <a:r>
-              <a:rPr lang="zh-TW" altLang="en-US" sz="5400" b="1" dirty="0">
-                <a:solidFill>
-                  <a:srgbClr val="000066"/>
-                </a:solidFill>
-                <a:latin typeface="微軟正黑體" pitchFamily="34" charset="-120"/>
-                <a:ea typeface="微軟正黑體" pitchFamily="34" charset="-120"/>
-              </a:rPr>
-              <a:t> 今坐上帝寶座右邊</a:t>
-            </a:r>
-            <a:endParaRPr lang="en-US" altLang="zh-TW" sz="5400" b="1" dirty="0">
-              <a:solidFill>
-                <a:srgbClr val="000066"/>
-              </a:solidFill>
-              <a:latin typeface="微軟正黑體" pitchFamily="34" charset="-120"/>
-              <a:ea typeface="微軟正黑體" pitchFamily="34" charset="-120"/>
-            </a:endParaRPr>
-          </a:p>
-          <a:p>
-            <a:pPr algn="ctr">
-              <a:buNone/>
-            </a:pPr>
-            <a:r>
-              <a:rPr lang="zh-TW" altLang="en-US" sz="5400" b="1" dirty="0">
-                <a:solidFill>
-                  <a:srgbClr val="000066"/>
-                </a:solidFill>
-                <a:latin typeface="微軟正黑體" pitchFamily="34" charset="-120"/>
-                <a:ea typeface="微軟正黑體" pitchFamily="34" charset="-120"/>
-              </a:rPr>
-              <a:t>天使崇拜奉敬</a:t>
-            </a:r>
-          </a:p>
-        </p:txBody>
-      </p:sp>
-      <p:sp>
-        <p:nvSpPr>
-          <p:cNvPr id="6" name="TextBox 5"/>
+        </p:txBody>
+      </p:sp>
+      <p:sp>
+        <p:nvSpPr>
+          <p:cNvPr id="3" name="TextBox 2"/>
           <p:cNvSpPr txBox="1"/>
           <p:nvPr/>
         </p:nvSpPr>
         <p:spPr>
           <a:xfrm>
-            <a:off x="1127448" y="1577040"/>
-            <a:ext cx="936104" cy="1015663"/>
+            <a:off x="0" y="5157194"/>
+            <a:ext cx="12192000" cy="830997"/>
           </a:xfrm>
           <a:prstGeom prst="rect">
             <a:avLst/>
@@ -3584,35 +4145,42 @@
           </a:bodyPr>
           <a:lstStyle/>
           <a:p>
-            <a:r>
-              <a:rPr lang="en-US" sz="6000" b="1" dirty="0">
-                <a:solidFill>
-                  <a:srgbClr val="000066"/>
-                </a:solidFill>
-              </a:rPr>
-              <a:t>2</a:t>
-            </a:r>
-            <a:r>
-              <a:rPr lang="en-US" sz="6000" b="1" dirty="0" smtClean="0">
-                <a:solidFill>
-                  <a:srgbClr val="000066"/>
-                </a:solidFill>
-              </a:rPr>
-              <a:t>.</a:t>
-            </a:r>
-            <a:endParaRPr lang="vi-VN" sz="6000" b="1" dirty="0">
+            <a:pPr algn="ctr"/>
+            <a:r>
+              <a:rPr lang="en-US" sz="4800" b="1" dirty="0">
+                <a:solidFill>
+                  <a:srgbClr val="000066"/>
+                </a:solidFill>
+                <a:effectLst/>
+              </a:rPr>
+              <a:t>( 1 )</a:t>
+            </a:r>
+            <a:endParaRPr lang="vi-VN" sz="4800" b="1" dirty="0">
               <a:solidFill>
                 <a:srgbClr val="000066"/>
               </a:solidFill>
+              <a:effectLst/>
             </a:endParaRPr>
           </a:p>
         </p:txBody>
       </p:sp>
     </p:spTree>
+    <p:extLst>
+      <p:ext uri="{BB962C8B-B14F-4D97-AF65-F5344CB8AC3E}">
+        <p14:creationId xmlns:p14="http://schemas.microsoft.com/office/powerpoint/2010/main" val="282867053"/>
+      </p:ext>
+    </p:extLst>
   </p:cSld>
   <p:clrMapOvr>
     <a:masterClrMapping/>
   </p:clrMapOvr>
+  <p:timing>
+    <p:tnLst>
+      <p:par>
+        <p:cTn id="1" dur="indefinite" restart="never" nodeType="tmRoot"/>
+      </p:par>
+    </p:tnLst>
+  </p:timing>
 </p:sld>
 </file>
 
@@ -3635,63 +4203,40 @@
       </p:grpSpPr>
       <p:sp>
         <p:nvSpPr>
-          <p:cNvPr id="4" name="標題 3"/>
-          <p:cNvSpPr>
-            <a:spLocks noGrp="1"/>
-          </p:cNvSpPr>
-          <p:nvPr>
-            <p:ph type="title"/>
-          </p:nvPr>
-        </p:nvSpPr>
-        <p:spPr/>
-        <p:txBody>
-          <a:bodyPr/>
-          <a:lstStyle/>
-          <a:p>
-            <a:r>
-              <a:rPr lang="zh-TW" altLang="en-US" b="1" dirty="0">
+          <p:cNvPr id="5" name="內容版面配置區 4"/>
+          <p:cNvSpPr>
+            <a:spLocks noGrp="1"/>
+          </p:cNvSpPr>
+          <p:nvPr>
+            <p:ph idx="1"/>
+          </p:nvPr>
+        </p:nvSpPr>
+        <p:spPr>
+          <a:xfrm>
+            <a:off x="0" y="2084853"/>
+            <a:ext cx="12192000" cy="2404863"/>
+          </a:xfrm>
+        </p:spPr>
+        <p:txBody>
+          <a:bodyPr anchor="ctr">
+            <a:normAutofit/>
+          </a:bodyPr>
+          <a:lstStyle/>
+          <a:p>
+            <a:pPr algn="ctr">
+              <a:buNone/>
+            </a:pPr>
+            <a:r>
+              <a:rPr lang="zh-TW" altLang="en-US" sz="6400" b="1" dirty="0">
                 <a:solidFill>
                   <a:srgbClr val="000066"/>
                 </a:solidFill>
                 <a:latin typeface="微軟正黑體" pitchFamily="34" charset="-120"/>
                 <a:ea typeface="微軟正黑體" pitchFamily="34" charset="-120"/>
               </a:rPr>
-              <a:t>頌讚主名</a:t>
-            </a:r>
-          </a:p>
-        </p:txBody>
-      </p:sp>
-      <p:sp>
-        <p:nvSpPr>
-          <p:cNvPr id="5" name="內容版面配置區 4"/>
-          <p:cNvSpPr>
-            <a:spLocks noGrp="1"/>
-          </p:cNvSpPr>
-          <p:nvPr>
-            <p:ph idx="1"/>
-          </p:nvPr>
-        </p:nvSpPr>
-        <p:spPr/>
-        <p:txBody>
-          <a:bodyPr>
-            <a:normAutofit/>
-          </a:bodyPr>
-          <a:lstStyle/>
-          <a:p>
-            <a:pPr algn="ctr">
-              <a:buNone/>
-            </a:pPr>
-            <a:r>
-              <a:rPr lang="zh-TW" altLang="en-US" sz="5400" b="1" dirty="0">
-                <a:solidFill>
-                  <a:srgbClr val="000066"/>
-                </a:solidFill>
-                <a:latin typeface="微軟正黑體" pitchFamily="34" charset="-120"/>
-                <a:ea typeface="微軟正黑體" pitchFamily="34" charset="-120"/>
-              </a:rPr>
-              <a:t>頌讚主聖名 頌讚主聖名</a:t>
-            </a:r>
-            <a:endParaRPr lang="en-US" altLang="zh-TW" sz="5400" b="1" dirty="0">
+              <a:t>頌讚主聖名  頌讚主聖名</a:t>
+            </a:r>
+            <a:endParaRPr lang="en-US" altLang="zh-TW" sz="6400" b="1" dirty="0">
               <a:solidFill>
                 <a:srgbClr val="000066"/>
               </a:solidFill>
@@ -3704,7 +4249,7 @@
               <a:buNone/>
             </a:pPr>
             <a:r>
-              <a:rPr lang="zh-TW" altLang="en-US" sz="5400" b="1" dirty="0">
+              <a:rPr lang="zh-TW" altLang="en-US" sz="6400" b="1" dirty="0">
                 <a:solidFill>
                   <a:srgbClr val="000066"/>
                 </a:solidFill>
@@ -3713,7 +4258,7 @@
               </a:rPr>
               <a:t>頌讚榮耀歸主聖名</a:t>
             </a:r>
-            <a:endParaRPr lang="en-US" altLang="zh-TW" sz="5400" b="1" dirty="0">
+            <a:endParaRPr lang="en-US" altLang="zh-TW" sz="6400" b="1" dirty="0">
               <a:solidFill>
                 <a:srgbClr val="000066"/>
               </a:solidFill>
@@ -3721,50 +4266,84 @@
               <a:ea typeface="微軟正黑體" pitchFamily="34" charset="-120"/>
             </a:endParaRPr>
           </a:p>
-          <a:p>
-            <a:pPr algn="ctr">
-              <a:buNone/>
-            </a:pPr>
-            <a:r>
-              <a:rPr lang="zh-TW" altLang="en-US" sz="5400" b="1" dirty="0">
-                <a:solidFill>
-                  <a:srgbClr val="000066"/>
-                </a:solidFill>
-                <a:latin typeface="微軟正黑體" pitchFamily="34" charset="-120"/>
-                <a:ea typeface="微軟正黑體" pitchFamily="34" charset="-120"/>
-              </a:rPr>
-              <a:t>頌讚主聖名 頌讚主聖名</a:t>
-            </a:r>
-            <a:endParaRPr lang="en-US" altLang="zh-TW" sz="5400" b="1" dirty="0">
+        </p:txBody>
+      </p:sp>
+      <p:sp>
+        <p:nvSpPr>
+          <p:cNvPr id="4" name="TextBox 3"/>
+          <p:cNvSpPr txBox="1"/>
+          <p:nvPr/>
+        </p:nvSpPr>
+        <p:spPr>
+          <a:xfrm>
+            <a:off x="0" y="5157194"/>
+            <a:ext cx="12192000" cy="830997"/>
+          </a:xfrm>
+          <a:prstGeom prst="rect">
+            <a:avLst/>
+          </a:prstGeom>
+          <a:noFill/>
+        </p:spPr>
+        <p:txBody>
+          <a:bodyPr wrap="square" rtlCol="0">
+            <a:spAutoFit/>
+          </a:bodyPr>
+          <a:lstStyle/>
+          <a:p>
+            <a:pPr algn="ctr"/>
+            <a:r>
+              <a:rPr lang="en-US" sz="4800" b="1" dirty="0">
+                <a:solidFill>
+                  <a:srgbClr val="000066"/>
+                </a:solidFill>
+                <a:effectLst/>
+              </a:rPr>
+              <a:t>( </a:t>
+            </a:r>
+            <a:r>
+              <a:rPr lang="en-US" sz="4800" b="1" dirty="0">
+                <a:solidFill>
+                  <a:srgbClr val="000066"/>
+                </a:solidFill>
+                <a:effectLst/>
+              </a:rPr>
+              <a:t>x2 </a:t>
+            </a:r>
+            <a:r>
+              <a:rPr lang="en-US" sz="4800" b="1" dirty="0">
+                <a:solidFill>
+                  <a:srgbClr val="000066"/>
+                </a:solidFill>
+                <a:effectLst/>
+              </a:rPr>
+              <a:t>)</a:t>
+            </a:r>
+            <a:endParaRPr lang="vi-VN" sz="4800" b="1" dirty="0">
               <a:solidFill>
                 <a:srgbClr val="000066"/>
               </a:solidFill>
-              <a:latin typeface="微軟正黑體" pitchFamily="34" charset="-120"/>
-              <a:ea typeface="微軟正黑體" pitchFamily="34" charset="-120"/>
+              <a:effectLst/>
             </a:endParaRPr>
           </a:p>
-          <a:p>
-            <a:pPr algn="ctr">
-              <a:buNone/>
-            </a:pPr>
-            <a:r>
-              <a:rPr lang="zh-TW" altLang="en-US" sz="5400" b="1" dirty="0">
-                <a:solidFill>
-                  <a:srgbClr val="000066"/>
-                </a:solidFill>
-                <a:latin typeface="微軟正黑體" pitchFamily="34" charset="-120"/>
-                <a:ea typeface="微軟正黑體" pitchFamily="34" charset="-120"/>
-              </a:rPr>
-              <a:t>頌讚榮耀歸主聖名</a:t>
-            </a:r>
-          </a:p>
         </p:txBody>
       </p:sp>
     </p:spTree>
+    <p:extLst>
+      <p:ext uri="{BB962C8B-B14F-4D97-AF65-F5344CB8AC3E}">
+        <p14:creationId xmlns:p14="http://schemas.microsoft.com/office/powerpoint/2010/main" val="749072301"/>
+      </p:ext>
+    </p:extLst>
   </p:cSld>
   <p:clrMapOvr>
     <a:masterClrMapping/>
   </p:clrMapOvr>
+  <p:timing>
+    <p:tnLst>
+      <p:par>
+        <p:cTn id="1" dur="indefinite" restart="never" nodeType="tmRoot"/>
+      </p:par>
+    </p:tnLst>
+  </p:timing>
 </p:sld>
 </file>
 
@@ -3787,63 +4366,40 @@
       </p:grpSpPr>
       <p:sp>
         <p:nvSpPr>
-          <p:cNvPr id="4" name="標題 3"/>
-          <p:cNvSpPr>
-            <a:spLocks noGrp="1"/>
-          </p:cNvSpPr>
-          <p:nvPr>
-            <p:ph type="title"/>
-          </p:nvPr>
-        </p:nvSpPr>
-        <p:spPr/>
-        <p:txBody>
-          <a:bodyPr/>
-          <a:lstStyle/>
-          <a:p>
-            <a:r>
-              <a:rPr lang="zh-TW" altLang="en-US" b="1" dirty="0">
+          <p:cNvPr id="5" name="內容版面配置區 4"/>
+          <p:cNvSpPr>
+            <a:spLocks noGrp="1"/>
+          </p:cNvSpPr>
+          <p:nvPr>
+            <p:ph idx="1"/>
+          </p:nvPr>
+        </p:nvSpPr>
+        <p:spPr>
+          <a:xfrm>
+            <a:off x="0" y="2084853"/>
+            <a:ext cx="12192000" cy="2404863"/>
+          </a:xfrm>
+        </p:spPr>
+        <p:txBody>
+          <a:bodyPr anchor="ctr">
+            <a:normAutofit/>
+          </a:bodyPr>
+          <a:lstStyle/>
+          <a:p>
+            <a:pPr algn="ctr">
+              <a:buNone/>
+            </a:pPr>
+            <a:r>
+              <a:rPr lang="zh-TW" altLang="en-US" sz="6400" b="1" dirty="0">
                 <a:solidFill>
                   <a:srgbClr val="000066"/>
                 </a:solidFill>
                 <a:latin typeface="微軟正黑體" pitchFamily="34" charset="-120"/>
                 <a:ea typeface="微軟正黑體" pitchFamily="34" charset="-120"/>
               </a:rPr>
-              <a:t>頌讚主名</a:t>
-            </a:r>
-          </a:p>
-        </p:txBody>
-      </p:sp>
-      <p:sp>
-        <p:nvSpPr>
-          <p:cNvPr id="5" name="內容版面配置區 4"/>
-          <p:cNvSpPr>
-            <a:spLocks noGrp="1"/>
-          </p:cNvSpPr>
-          <p:nvPr>
-            <p:ph idx="1"/>
-          </p:nvPr>
-        </p:nvSpPr>
-        <p:spPr/>
-        <p:txBody>
-          <a:bodyPr>
-            <a:normAutofit/>
-          </a:bodyPr>
-          <a:lstStyle/>
-          <a:p>
-            <a:pPr algn="ctr">
-              <a:buNone/>
-            </a:pPr>
-            <a:r>
-              <a:rPr lang="zh-TW" altLang="en-US" sz="5400" b="1" dirty="0">
-                <a:solidFill>
-                  <a:srgbClr val="000066"/>
-                </a:solidFill>
-                <a:latin typeface="微軟正黑體" pitchFamily="34" charset="-120"/>
-                <a:ea typeface="微軟正黑體" pitchFamily="34" charset="-120"/>
-              </a:rPr>
-              <a:t>罪人良友乃救贖主</a:t>
-            </a:r>
-            <a:endParaRPr lang="en-US" altLang="zh-TW" sz="5400" b="1" dirty="0">
+              <a:t>主名超乎萬名之名</a:t>
+            </a:r>
+            <a:endParaRPr lang="en-US" altLang="zh-TW" sz="6400" b="1" dirty="0">
               <a:solidFill>
                 <a:srgbClr val="000066"/>
               </a:solidFill>
@@ -3856,16 +4412,16 @@
               <a:buNone/>
             </a:pPr>
             <a:r>
-              <a:rPr lang="zh-TW" altLang="en-US" sz="5400" b="1" dirty="0">
+              <a:rPr lang="zh-TW" altLang="en-US" sz="6400" b="1" dirty="0">
                 <a:solidFill>
                   <a:srgbClr val="000066"/>
                 </a:solidFill>
                 <a:latin typeface="微軟正黑體" pitchFamily="34" charset="-120"/>
                 <a:ea typeface="微軟正黑體" pitchFamily="34" charset="-120"/>
               </a:rPr>
-              <a:t>因憐罪人來世</a:t>
-            </a:r>
-            <a:endParaRPr lang="en-US" altLang="zh-TW" sz="5400" b="1" dirty="0">
+              <a:t>至高至尊至聖</a:t>
+            </a:r>
+            <a:endParaRPr lang="en-US" altLang="zh-TW" sz="6400" b="1" dirty="0">
               <a:solidFill>
                 <a:srgbClr val="000066"/>
               </a:solidFill>
@@ -3873,55 +4429,18 @@
               <a:ea typeface="微軟正黑體" pitchFamily="34" charset="-120"/>
             </a:endParaRPr>
           </a:p>
-          <a:p>
-            <a:pPr algn="ctr">
-              <a:buNone/>
-            </a:pPr>
-            <a:r>
-              <a:rPr lang="zh-TW" altLang="en-US" sz="5400" b="1" dirty="0">
-                <a:solidFill>
-                  <a:srgbClr val="000066"/>
-                </a:solidFill>
-                <a:latin typeface="微軟正黑體" pitchFamily="34" charset="-120"/>
-                <a:ea typeface="微軟正黑體" pitchFamily="34" charset="-120"/>
-              </a:rPr>
-              <a:t>神奇妙愛預備救恩</a:t>
-            </a:r>
-            <a:endParaRPr lang="en-US" altLang="zh-TW" sz="5400" b="1" dirty="0">
-              <a:solidFill>
-                <a:srgbClr val="000066"/>
-              </a:solidFill>
-              <a:latin typeface="微軟正黑體" pitchFamily="34" charset="-120"/>
-              <a:ea typeface="微軟正黑體" pitchFamily="34" charset="-120"/>
-            </a:endParaRPr>
-          </a:p>
-          <a:p>
-            <a:pPr algn="ctr">
-              <a:buNone/>
-            </a:pPr>
-            <a:r>
-              <a:rPr lang="zh-TW" altLang="en-US" sz="5400" b="1" dirty="0">
-                <a:solidFill>
-                  <a:srgbClr val="000066"/>
-                </a:solidFill>
-                <a:latin typeface="微軟正黑體" pitchFamily="34" charset="-120"/>
-                <a:ea typeface="微軟正黑體" pitchFamily="34" charset="-120"/>
-              </a:rPr>
-              <a:t>差主為萬人死</a:t>
-            </a:r>
-          </a:p>
-        </p:txBody>
-      </p:sp>
-      <p:sp>
-        <p:nvSpPr>
-          <p:cNvPr id="6" name="TextBox 5"/>
+        </p:txBody>
+      </p:sp>
+      <p:sp>
+        <p:nvSpPr>
+          <p:cNvPr id="3" name="TextBox 2"/>
           <p:cNvSpPr txBox="1"/>
           <p:nvPr/>
         </p:nvSpPr>
         <p:spPr>
           <a:xfrm>
-            <a:off x="1127448" y="1577040"/>
-            <a:ext cx="936104" cy="1015663"/>
+            <a:off x="0" y="5157194"/>
+            <a:ext cx="12192000" cy="830997"/>
           </a:xfrm>
           <a:prstGeom prst="rect">
             <a:avLst/>
@@ -3934,35 +4453,60 @@
           </a:bodyPr>
           <a:lstStyle/>
           <a:p>
-            <a:r>
-              <a:rPr lang="en-US" sz="6000" b="1" dirty="0">
-                <a:solidFill>
-                  <a:srgbClr val="000066"/>
-                </a:solidFill>
-              </a:rPr>
-              <a:t>3</a:t>
-            </a:r>
-            <a:r>
-              <a:rPr lang="en-US" sz="6000" b="1" dirty="0" smtClean="0">
-                <a:solidFill>
-                  <a:srgbClr val="000066"/>
-                </a:solidFill>
-              </a:rPr>
-              <a:t>.</a:t>
-            </a:r>
-            <a:endParaRPr lang="vi-VN" sz="6000" b="1" dirty="0">
+            <a:pPr algn="ctr"/>
+            <a:r>
+              <a:rPr lang="en-US" sz="4800" b="1" dirty="0">
+                <a:solidFill>
+                  <a:srgbClr val="000066"/>
+                </a:solidFill>
+                <a:effectLst/>
+              </a:rPr>
+              <a:t>( </a:t>
+            </a:r>
+            <a:r>
+              <a:rPr lang="en-US" sz="4800" b="1" dirty="0">
+                <a:solidFill>
+                  <a:srgbClr val="000066"/>
+                </a:solidFill>
+                <a:effectLst/>
+              </a:rPr>
+              <a:t>2 </a:t>
+            </a:r>
+            <a:r>
+              <a:rPr lang="en-US" sz="4800" b="1" dirty="0">
+                <a:solidFill>
+                  <a:srgbClr val="000066"/>
+                </a:solidFill>
+                <a:effectLst/>
+              </a:rPr>
+              <a:t>)</a:t>
+            </a:r>
+            <a:endParaRPr lang="vi-VN" sz="4800" b="1" dirty="0">
               <a:solidFill>
                 <a:srgbClr val="000066"/>
               </a:solidFill>
+              <a:effectLst/>
             </a:endParaRPr>
           </a:p>
         </p:txBody>
       </p:sp>
     </p:spTree>
+    <p:extLst>
+      <p:ext uri="{BB962C8B-B14F-4D97-AF65-F5344CB8AC3E}">
+        <p14:creationId xmlns:p14="http://schemas.microsoft.com/office/powerpoint/2010/main" val="1490601079"/>
+      </p:ext>
+    </p:extLst>
   </p:cSld>
   <p:clrMapOvr>
     <a:masterClrMapping/>
   </p:clrMapOvr>
+  <p:timing>
+    <p:tnLst>
+      <p:par>
+        <p:cTn id="1" dur="indefinite" restart="never" nodeType="tmRoot"/>
+      </p:par>
+    </p:tnLst>
+  </p:timing>
 </p:sld>
 </file>
 
@@ -3985,63 +4529,40 @@
       </p:grpSpPr>
       <p:sp>
         <p:nvSpPr>
-          <p:cNvPr id="4" name="標題 3"/>
-          <p:cNvSpPr>
-            <a:spLocks noGrp="1"/>
-          </p:cNvSpPr>
-          <p:nvPr>
-            <p:ph type="title"/>
-          </p:nvPr>
-        </p:nvSpPr>
-        <p:spPr/>
-        <p:txBody>
-          <a:bodyPr/>
-          <a:lstStyle/>
-          <a:p>
-            <a:r>
-              <a:rPr lang="zh-TW" altLang="en-US" b="1" dirty="0">
+          <p:cNvPr id="5" name="內容版面配置區 4"/>
+          <p:cNvSpPr>
+            <a:spLocks noGrp="1"/>
+          </p:cNvSpPr>
+          <p:nvPr>
+            <p:ph idx="1"/>
+          </p:nvPr>
+        </p:nvSpPr>
+        <p:spPr>
+          <a:xfrm>
+            <a:off x="0" y="2084853"/>
+            <a:ext cx="12192000" cy="2404863"/>
+          </a:xfrm>
+        </p:spPr>
+        <p:txBody>
+          <a:bodyPr anchor="ctr">
+            <a:normAutofit/>
+          </a:bodyPr>
+          <a:lstStyle/>
+          <a:p>
+            <a:pPr algn="ctr">
+              <a:buNone/>
+            </a:pPr>
+            <a:r>
+              <a:rPr lang="zh-TW" altLang="en-US" sz="6400" b="1" dirty="0">
                 <a:solidFill>
                   <a:srgbClr val="000066"/>
                 </a:solidFill>
                 <a:latin typeface="微軟正黑體" pitchFamily="34" charset="-120"/>
                 <a:ea typeface="微軟正黑體" pitchFamily="34" charset="-120"/>
               </a:rPr>
-              <a:t>頌讚主名</a:t>
-            </a:r>
-          </a:p>
-        </p:txBody>
-      </p:sp>
-      <p:sp>
-        <p:nvSpPr>
-          <p:cNvPr id="5" name="內容版面配置區 4"/>
-          <p:cNvSpPr>
-            <a:spLocks noGrp="1"/>
-          </p:cNvSpPr>
-          <p:nvPr>
-            <p:ph idx="1"/>
-          </p:nvPr>
-        </p:nvSpPr>
-        <p:spPr/>
-        <p:txBody>
-          <a:bodyPr>
-            <a:normAutofit/>
-          </a:bodyPr>
-          <a:lstStyle/>
-          <a:p>
-            <a:pPr algn="ctr">
-              <a:buNone/>
-            </a:pPr>
-            <a:r>
-              <a:rPr lang="zh-TW" altLang="en-US" sz="5400" b="1" dirty="0">
-                <a:solidFill>
-                  <a:srgbClr val="000066"/>
-                </a:solidFill>
-                <a:latin typeface="微軟正黑體" pitchFamily="34" charset="-120"/>
-                <a:ea typeface="微軟正黑體" pitchFamily="34" charset="-120"/>
-              </a:rPr>
-              <a:t>頌讚主聖名 頌讚主聖名</a:t>
-            </a:r>
-            <a:endParaRPr lang="en-US" altLang="zh-TW" sz="5400" b="1" dirty="0">
+              <a:t>今坐上帝寶座右邊</a:t>
+            </a:r>
+            <a:endParaRPr lang="en-US" altLang="zh-TW" sz="6400" b="1" dirty="0">
               <a:solidFill>
                 <a:srgbClr val="000066"/>
               </a:solidFill>
@@ -4054,16 +4575,16 @@
               <a:buNone/>
             </a:pPr>
             <a:r>
-              <a:rPr lang="zh-TW" altLang="en-US" sz="5400" b="1" dirty="0">
+              <a:rPr lang="zh-TW" altLang="en-US" sz="6400" b="1" dirty="0">
                 <a:solidFill>
                   <a:srgbClr val="000066"/>
                 </a:solidFill>
                 <a:latin typeface="微軟正黑體" pitchFamily="34" charset="-120"/>
                 <a:ea typeface="微軟正黑體" pitchFamily="34" charset="-120"/>
               </a:rPr>
-              <a:t>頌讚榮耀歸主聖名</a:t>
-            </a:r>
-            <a:endParaRPr lang="en-US" altLang="zh-TW" sz="5400" b="1" dirty="0">
+              <a:t>天使崇拜奉敬</a:t>
+            </a:r>
+            <a:endParaRPr lang="zh-TW" altLang="en-US" sz="6400" b="1" dirty="0">
               <a:solidFill>
                 <a:srgbClr val="000066"/>
               </a:solidFill>
@@ -4071,50 +4592,84 @@
               <a:ea typeface="微軟正黑體" pitchFamily="34" charset="-120"/>
             </a:endParaRPr>
           </a:p>
-          <a:p>
-            <a:pPr algn="ctr">
-              <a:buNone/>
-            </a:pPr>
-            <a:r>
-              <a:rPr lang="zh-TW" altLang="en-US" sz="5400" b="1" dirty="0">
-                <a:solidFill>
-                  <a:srgbClr val="000066"/>
-                </a:solidFill>
-                <a:latin typeface="微軟正黑體" pitchFamily="34" charset="-120"/>
-                <a:ea typeface="微軟正黑體" pitchFamily="34" charset="-120"/>
-              </a:rPr>
-              <a:t>頌讚主聖名 頌讚主聖名</a:t>
-            </a:r>
-            <a:endParaRPr lang="en-US" altLang="zh-TW" sz="5400" b="1" dirty="0">
+        </p:txBody>
+      </p:sp>
+      <p:sp>
+        <p:nvSpPr>
+          <p:cNvPr id="3" name="TextBox 2"/>
+          <p:cNvSpPr txBox="1"/>
+          <p:nvPr/>
+        </p:nvSpPr>
+        <p:spPr>
+          <a:xfrm>
+            <a:off x="0" y="5157194"/>
+            <a:ext cx="12192000" cy="830997"/>
+          </a:xfrm>
+          <a:prstGeom prst="rect">
+            <a:avLst/>
+          </a:prstGeom>
+          <a:noFill/>
+        </p:spPr>
+        <p:txBody>
+          <a:bodyPr wrap="square" rtlCol="0">
+            <a:spAutoFit/>
+          </a:bodyPr>
+          <a:lstStyle/>
+          <a:p>
+            <a:pPr algn="ctr"/>
+            <a:r>
+              <a:rPr lang="en-US" sz="4800" b="1" dirty="0">
+                <a:solidFill>
+                  <a:srgbClr val="000066"/>
+                </a:solidFill>
+                <a:effectLst/>
+              </a:rPr>
+              <a:t>( </a:t>
+            </a:r>
+            <a:r>
+              <a:rPr lang="en-US" sz="4800" b="1" dirty="0">
+                <a:solidFill>
+                  <a:srgbClr val="000066"/>
+                </a:solidFill>
+                <a:effectLst/>
+              </a:rPr>
+              <a:t>2 </a:t>
+            </a:r>
+            <a:r>
+              <a:rPr lang="en-US" sz="4800" b="1" dirty="0">
+                <a:solidFill>
+                  <a:srgbClr val="000066"/>
+                </a:solidFill>
+                <a:effectLst/>
+              </a:rPr>
+              <a:t>)</a:t>
+            </a:r>
+            <a:endParaRPr lang="vi-VN" sz="4800" b="1" dirty="0">
               <a:solidFill>
                 <a:srgbClr val="000066"/>
               </a:solidFill>
-              <a:latin typeface="微軟正黑體" pitchFamily="34" charset="-120"/>
-              <a:ea typeface="微軟正黑體" pitchFamily="34" charset="-120"/>
+              <a:effectLst/>
             </a:endParaRPr>
           </a:p>
-          <a:p>
-            <a:pPr algn="ctr">
-              <a:buNone/>
-            </a:pPr>
-            <a:r>
-              <a:rPr lang="zh-TW" altLang="en-US" sz="5400" b="1" dirty="0">
-                <a:solidFill>
-                  <a:srgbClr val="000066"/>
-                </a:solidFill>
-                <a:latin typeface="微軟正黑體" pitchFamily="34" charset="-120"/>
-                <a:ea typeface="微軟正黑體" pitchFamily="34" charset="-120"/>
-              </a:rPr>
-              <a:t>頌讚榮耀歸主聖名</a:t>
-            </a:r>
-          </a:p>
         </p:txBody>
       </p:sp>
     </p:spTree>
+    <p:extLst>
+      <p:ext uri="{BB962C8B-B14F-4D97-AF65-F5344CB8AC3E}">
+        <p14:creationId xmlns:p14="http://schemas.microsoft.com/office/powerpoint/2010/main" val="3254057356"/>
+      </p:ext>
+    </p:extLst>
   </p:cSld>
   <p:clrMapOvr>
     <a:masterClrMapping/>
   </p:clrMapOvr>
+  <p:timing>
+    <p:tnLst>
+      <p:par>
+        <p:cTn id="1" dur="indefinite" restart="never" nodeType="tmRoot"/>
+      </p:par>
+    </p:tnLst>
+  </p:timing>
 </p:sld>
 </file>
 
@@ -4137,63 +4692,40 @@
       </p:grpSpPr>
       <p:sp>
         <p:nvSpPr>
-          <p:cNvPr id="4" name="標題 3"/>
-          <p:cNvSpPr>
-            <a:spLocks noGrp="1"/>
-          </p:cNvSpPr>
-          <p:nvPr>
-            <p:ph type="title"/>
-          </p:nvPr>
-        </p:nvSpPr>
-        <p:spPr/>
-        <p:txBody>
-          <a:bodyPr/>
-          <a:lstStyle/>
-          <a:p>
-            <a:r>
-              <a:rPr lang="zh-TW" altLang="en-US" b="1" dirty="0">
+          <p:cNvPr id="5" name="內容版面配置區 4"/>
+          <p:cNvSpPr>
+            <a:spLocks noGrp="1"/>
+          </p:cNvSpPr>
+          <p:nvPr>
+            <p:ph idx="1"/>
+          </p:nvPr>
+        </p:nvSpPr>
+        <p:spPr>
+          <a:xfrm>
+            <a:off x="0" y="2084853"/>
+            <a:ext cx="12192000" cy="2404863"/>
+          </a:xfrm>
+        </p:spPr>
+        <p:txBody>
+          <a:bodyPr anchor="ctr">
+            <a:normAutofit/>
+          </a:bodyPr>
+          <a:lstStyle/>
+          <a:p>
+            <a:pPr algn="ctr">
+              <a:buNone/>
+            </a:pPr>
+            <a:r>
+              <a:rPr lang="zh-TW" altLang="en-US" sz="6400" b="1" dirty="0">
                 <a:solidFill>
                   <a:srgbClr val="000066"/>
                 </a:solidFill>
                 <a:latin typeface="微軟正黑體" pitchFamily="34" charset="-120"/>
                 <a:ea typeface="微軟正黑體" pitchFamily="34" charset="-120"/>
               </a:rPr>
-              <a:t>頌讚主名</a:t>
-            </a:r>
-          </a:p>
-        </p:txBody>
-      </p:sp>
-      <p:sp>
-        <p:nvSpPr>
-          <p:cNvPr id="5" name="內容版面配置區 4"/>
-          <p:cNvSpPr>
-            <a:spLocks noGrp="1"/>
-          </p:cNvSpPr>
-          <p:nvPr>
-            <p:ph idx="1"/>
-          </p:nvPr>
-        </p:nvSpPr>
-        <p:spPr/>
-        <p:txBody>
-          <a:bodyPr>
-            <a:normAutofit/>
-          </a:bodyPr>
-          <a:lstStyle/>
-          <a:p>
-            <a:pPr algn="ctr">
-              <a:buNone/>
-            </a:pPr>
-            <a:r>
-              <a:rPr lang="zh-TW" altLang="en-US" sz="5400" b="1" dirty="0">
-                <a:solidFill>
-                  <a:srgbClr val="000066"/>
-                </a:solidFill>
-                <a:latin typeface="微軟正黑體" pitchFamily="34" charset="-120"/>
-                <a:ea typeface="微軟正黑體" pitchFamily="34" charset="-120"/>
-              </a:rPr>
-              <a:t>祂名稱為奇妙策士</a:t>
-            </a:r>
-            <a:endParaRPr lang="en-US" altLang="zh-TW" sz="5400" b="1" dirty="0">
+              <a:t>頌讚主聖名  頌讚主聖名</a:t>
+            </a:r>
+            <a:endParaRPr lang="en-US" altLang="zh-TW" sz="6400" b="1" dirty="0">
               <a:solidFill>
                 <a:srgbClr val="000066"/>
               </a:solidFill>
@@ -4206,16 +4738,16 @@
               <a:buNone/>
             </a:pPr>
             <a:r>
-              <a:rPr lang="zh-TW" altLang="en-US" sz="5400" b="1" dirty="0">
+              <a:rPr lang="zh-TW" altLang="en-US" sz="6400" b="1" dirty="0">
                 <a:solidFill>
                   <a:srgbClr val="000066"/>
                 </a:solidFill>
                 <a:latin typeface="微軟正黑體" pitchFamily="34" charset="-120"/>
                 <a:ea typeface="微軟正黑體" pitchFamily="34" charset="-120"/>
               </a:rPr>
-              <a:t>和平全能之君</a:t>
-            </a:r>
-            <a:endParaRPr lang="en-US" altLang="zh-TW" sz="5400" b="1" dirty="0">
+              <a:t>頌讚榮耀歸主聖名</a:t>
+            </a:r>
+            <a:endParaRPr lang="en-US" altLang="zh-TW" sz="6400" b="1" dirty="0">
               <a:solidFill>
                 <a:srgbClr val="000066"/>
               </a:solidFill>
@@ -4223,55 +4755,18 @@
               <a:ea typeface="微軟正黑體" pitchFamily="34" charset="-120"/>
             </a:endParaRPr>
           </a:p>
-          <a:p>
-            <a:pPr algn="ctr">
-              <a:buNone/>
-            </a:pPr>
-            <a:r>
-              <a:rPr lang="zh-TW" altLang="en-US" sz="5400" b="1" dirty="0">
-                <a:solidFill>
-                  <a:srgbClr val="000066"/>
-                </a:solidFill>
-                <a:latin typeface="微軟正黑體" pitchFamily="34" charset="-120"/>
-                <a:ea typeface="微軟正黑體" pitchFamily="34" charset="-120"/>
-              </a:rPr>
-              <a:t>萬王還須俯伏崇拜</a:t>
-            </a:r>
-            <a:endParaRPr lang="en-US" altLang="zh-TW" sz="5400" b="1" dirty="0">
-              <a:solidFill>
-                <a:srgbClr val="000066"/>
-              </a:solidFill>
-              <a:latin typeface="微軟正黑體" pitchFamily="34" charset="-120"/>
-              <a:ea typeface="微軟正黑體" pitchFamily="34" charset="-120"/>
-            </a:endParaRPr>
-          </a:p>
-          <a:p>
-            <a:pPr algn="ctr">
-              <a:buNone/>
-            </a:pPr>
-            <a:r>
-              <a:rPr lang="zh-TW" altLang="en-US" sz="5400" b="1" dirty="0">
-                <a:solidFill>
-                  <a:srgbClr val="000066"/>
-                </a:solidFill>
-                <a:latin typeface="微軟正黑體" pitchFamily="34" charset="-120"/>
-                <a:ea typeface="微軟正黑體" pitchFamily="34" charset="-120"/>
-              </a:rPr>
-              <a:t>掌權無窮無盡</a:t>
-            </a:r>
-          </a:p>
-        </p:txBody>
-      </p:sp>
-      <p:sp>
-        <p:nvSpPr>
-          <p:cNvPr id="6" name="TextBox 5"/>
+        </p:txBody>
+      </p:sp>
+      <p:sp>
+        <p:nvSpPr>
+          <p:cNvPr id="4" name="TextBox 3"/>
           <p:cNvSpPr txBox="1"/>
           <p:nvPr/>
         </p:nvSpPr>
         <p:spPr>
           <a:xfrm>
-            <a:off x="1127448" y="1577040"/>
-            <a:ext cx="936104" cy="1015663"/>
+            <a:off x="0" y="5157194"/>
+            <a:ext cx="12192000" cy="830997"/>
           </a:xfrm>
           <a:prstGeom prst="rect">
             <a:avLst/>
@@ -4284,35 +4779,60 @@
           </a:bodyPr>
           <a:lstStyle/>
           <a:p>
-            <a:r>
-              <a:rPr lang="en-US" sz="6000" b="1" dirty="0">
-                <a:solidFill>
-                  <a:srgbClr val="000066"/>
-                </a:solidFill>
-              </a:rPr>
-              <a:t>4</a:t>
-            </a:r>
-            <a:r>
-              <a:rPr lang="en-US" sz="6000" b="1" smtClean="0">
-                <a:solidFill>
-                  <a:srgbClr val="000066"/>
-                </a:solidFill>
-              </a:rPr>
-              <a:t>.</a:t>
-            </a:r>
-            <a:endParaRPr lang="vi-VN" sz="6000" b="1" dirty="0">
+            <a:pPr algn="ctr"/>
+            <a:r>
+              <a:rPr lang="en-US" sz="4800" b="1" dirty="0">
+                <a:solidFill>
+                  <a:srgbClr val="000066"/>
+                </a:solidFill>
+                <a:effectLst/>
+              </a:rPr>
+              <a:t>( </a:t>
+            </a:r>
+            <a:r>
+              <a:rPr lang="en-US" sz="4800" b="1" dirty="0">
+                <a:solidFill>
+                  <a:srgbClr val="000066"/>
+                </a:solidFill>
+                <a:effectLst/>
+              </a:rPr>
+              <a:t>x2 </a:t>
+            </a:r>
+            <a:r>
+              <a:rPr lang="en-US" sz="4800" b="1" dirty="0">
+                <a:solidFill>
+                  <a:srgbClr val="000066"/>
+                </a:solidFill>
+                <a:effectLst/>
+              </a:rPr>
+              <a:t>)</a:t>
+            </a:r>
+            <a:endParaRPr lang="vi-VN" sz="4800" b="1" dirty="0">
               <a:solidFill>
                 <a:srgbClr val="000066"/>
               </a:solidFill>
+              <a:effectLst/>
             </a:endParaRPr>
           </a:p>
         </p:txBody>
       </p:sp>
     </p:spTree>
+    <p:extLst>
+      <p:ext uri="{BB962C8B-B14F-4D97-AF65-F5344CB8AC3E}">
+        <p14:creationId xmlns:p14="http://schemas.microsoft.com/office/powerpoint/2010/main" val="2592621456"/>
+      </p:ext>
+    </p:extLst>
   </p:cSld>
   <p:clrMapOvr>
     <a:masterClrMapping/>
   </p:clrMapOvr>
+  <p:timing>
+    <p:tnLst>
+      <p:par>
+        <p:cTn id="1" dur="indefinite" restart="never" nodeType="tmRoot"/>
+      </p:par>
+    </p:tnLst>
+  </p:timing>
 </p:sld>
 </file>
 
@@ -4335,63 +4855,40 @@
       </p:grpSpPr>
       <p:sp>
         <p:nvSpPr>
-          <p:cNvPr id="4" name="標題 3"/>
-          <p:cNvSpPr>
-            <a:spLocks noGrp="1"/>
-          </p:cNvSpPr>
-          <p:nvPr>
-            <p:ph type="title"/>
-          </p:nvPr>
-        </p:nvSpPr>
-        <p:spPr/>
-        <p:txBody>
-          <a:bodyPr/>
-          <a:lstStyle/>
-          <a:p>
-            <a:r>
-              <a:rPr lang="zh-TW" altLang="en-US" b="1" dirty="0">
+          <p:cNvPr id="5" name="內容版面配置區 4"/>
+          <p:cNvSpPr>
+            <a:spLocks noGrp="1"/>
+          </p:cNvSpPr>
+          <p:nvPr>
+            <p:ph idx="1"/>
+          </p:nvPr>
+        </p:nvSpPr>
+        <p:spPr>
+          <a:xfrm>
+            <a:off x="0" y="2084853"/>
+            <a:ext cx="12192000" cy="2404863"/>
+          </a:xfrm>
+        </p:spPr>
+        <p:txBody>
+          <a:bodyPr anchor="ctr">
+            <a:normAutofit/>
+          </a:bodyPr>
+          <a:lstStyle/>
+          <a:p>
+            <a:pPr algn="ctr">
+              <a:buNone/>
+            </a:pPr>
+            <a:r>
+              <a:rPr lang="zh-TW" altLang="en-US" sz="6400" b="1" dirty="0">
                 <a:solidFill>
                   <a:srgbClr val="000066"/>
                 </a:solidFill>
                 <a:latin typeface="微軟正黑體" pitchFamily="34" charset="-120"/>
                 <a:ea typeface="微軟正黑體" pitchFamily="34" charset="-120"/>
               </a:rPr>
-              <a:t>頌讚主名</a:t>
-            </a:r>
-          </a:p>
-        </p:txBody>
-      </p:sp>
-      <p:sp>
-        <p:nvSpPr>
-          <p:cNvPr id="5" name="內容版面配置區 4"/>
-          <p:cNvSpPr>
-            <a:spLocks noGrp="1"/>
-          </p:cNvSpPr>
-          <p:nvPr>
-            <p:ph idx="1"/>
-          </p:nvPr>
-        </p:nvSpPr>
-        <p:spPr/>
-        <p:txBody>
-          <a:bodyPr>
-            <a:normAutofit/>
-          </a:bodyPr>
-          <a:lstStyle/>
-          <a:p>
-            <a:pPr algn="ctr">
-              <a:buNone/>
-            </a:pPr>
-            <a:r>
-              <a:rPr lang="zh-TW" altLang="en-US" sz="5400" b="1" dirty="0">
-                <a:solidFill>
-                  <a:srgbClr val="000066"/>
-                </a:solidFill>
-                <a:latin typeface="微軟正黑體" pitchFamily="34" charset="-120"/>
-                <a:ea typeface="微軟正黑體" pitchFamily="34" charset="-120"/>
-              </a:rPr>
-              <a:t>頌讚主聖名 頌讚主聖名</a:t>
-            </a:r>
-            <a:endParaRPr lang="en-US" altLang="zh-TW" sz="5400" b="1" dirty="0">
+              <a:t>罪人良友乃救贖主</a:t>
+            </a:r>
+            <a:endParaRPr lang="en-US" altLang="zh-TW" sz="6400" b="1" dirty="0">
               <a:solidFill>
                 <a:srgbClr val="000066"/>
               </a:solidFill>
@@ -4404,16 +4901,16 @@
               <a:buNone/>
             </a:pPr>
             <a:r>
-              <a:rPr lang="zh-TW" altLang="en-US" sz="5400" b="1" dirty="0">
+              <a:rPr lang="zh-TW" altLang="en-US" sz="6400" b="1" dirty="0">
                 <a:solidFill>
                   <a:srgbClr val="000066"/>
                 </a:solidFill>
                 <a:latin typeface="微軟正黑體" pitchFamily="34" charset="-120"/>
                 <a:ea typeface="微軟正黑體" pitchFamily="34" charset="-120"/>
               </a:rPr>
-              <a:t>頌讚榮耀歸主聖名</a:t>
-            </a:r>
-            <a:endParaRPr lang="en-US" altLang="zh-TW" sz="5400" b="1" dirty="0">
+              <a:t>因憐罪人來世</a:t>
+            </a:r>
+            <a:endParaRPr lang="en-US" altLang="zh-TW" sz="6400" b="1" dirty="0">
               <a:solidFill>
                 <a:srgbClr val="000066"/>
               </a:solidFill>
@@ -4421,21 +4918,140 @@
               <a:ea typeface="微軟正黑體" pitchFamily="34" charset="-120"/>
             </a:endParaRPr>
           </a:p>
+        </p:txBody>
+      </p:sp>
+      <p:sp>
+        <p:nvSpPr>
+          <p:cNvPr id="3" name="TextBox 2"/>
+          <p:cNvSpPr txBox="1"/>
+          <p:nvPr/>
+        </p:nvSpPr>
+        <p:spPr>
+          <a:xfrm>
+            <a:off x="0" y="5157194"/>
+            <a:ext cx="12192000" cy="830997"/>
+          </a:xfrm>
+          <a:prstGeom prst="rect">
+            <a:avLst/>
+          </a:prstGeom>
+          <a:noFill/>
+        </p:spPr>
+        <p:txBody>
+          <a:bodyPr wrap="square" rtlCol="0">
+            <a:spAutoFit/>
+          </a:bodyPr>
+          <a:lstStyle/>
+          <a:p>
+            <a:pPr algn="ctr"/>
+            <a:r>
+              <a:rPr lang="en-US" sz="4800" b="1" dirty="0">
+                <a:solidFill>
+                  <a:srgbClr val="000066"/>
+                </a:solidFill>
+                <a:effectLst/>
+              </a:rPr>
+              <a:t>( </a:t>
+            </a:r>
+            <a:r>
+              <a:rPr lang="en-US" sz="4800" b="1" dirty="0">
+                <a:solidFill>
+                  <a:srgbClr val="000066"/>
+                </a:solidFill>
+                <a:effectLst/>
+              </a:rPr>
+              <a:t>3 </a:t>
+            </a:r>
+            <a:r>
+              <a:rPr lang="en-US" sz="4800" b="1" dirty="0">
+                <a:solidFill>
+                  <a:srgbClr val="000066"/>
+                </a:solidFill>
+                <a:effectLst/>
+              </a:rPr>
+              <a:t>)</a:t>
+            </a:r>
+            <a:endParaRPr lang="vi-VN" sz="4800" b="1" dirty="0">
+              <a:solidFill>
+                <a:srgbClr val="000066"/>
+              </a:solidFill>
+              <a:effectLst/>
+            </a:endParaRPr>
+          </a:p>
+        </p:txBody>
+      </p:sp>
+    </p:spTree>
+    <p:extLst>
+      <p:ext uri="{BB962C8B-B14F-4D97-AF65-F5344CB8AC3E}">
+        <p14:creationId xmlns:p14="http://schemas.microsoft.com/office/powerpoint/2010/main" val="2015581171"/>
+      </p:ext>
+    </p:extLst>
+  </p:cSld>
+  <p:clrMapOvr>
+    <a:masterClrMapping/>
+  </p:clrMapOvr>
+  <p:timing>
+    <p:tnLst>
+      <p:par>
+        <p:cTn id="1" dur="indefinite" restart="never" nodeType="tmRoot"/>
+      </p:par>
+    </p:tnLst>
+  </p:timing>
+</p:sld>
+</file>
+
+<file path=ppt/slides/slide9.xml><?xml version="1.0" encoding="utf-8"?>
+<p:sld xmlns:a="http://schemas.openxmlformats.org/drawingml/2006/main" xmlns:r="http://schemas.openxmlformats.org/officeDocument/2006/relationships" xmlns:p="http://schemas.openxmlformats.org/presentationml/2006/main">
+  <p:cSld>
+    <p:spTree>
+      <p:nvGrpSpPr>
+        <p:cNvPr id="1" name=""/>
+        <p:cNvGrpSpPr/>
+        <p:nvPr/>
+      </p:nvGrpSpPr>
+      <p:grpSpPr>
+        <a:xfrm>
+          <a:off x="0" y="0"/>
+          <a:ext cx="0" cy="0"/>
+          <a:chOff x="0" y="0"/>
+          <a:chExt cx="0" cy="0"/>
+        </a:xfrm>
+      </p:grpSpPr>
+      <p:sp>
+        <p:nvSpPr>
+          <p:cNvPr id="5" name="內容版面配置區 4"/>
+          <p:cNvSpPr>
+            <a:spLocks noGrp="1"/>
+          </p:cNvSpPr>
+          <p:nvPr>
+            <p:ph idx="1"/>
+          </p:nvPr>
+        </p:nvSpPr>
+        <p:spPr>
+          <a:xfrm>
+            <a:off x="0" y="2084853"/>
+            <a:ext cx="12192000" cy="2404863"/>
+          </a:xfrm>
+        </p:spPr>
+        <p:txBody>
+          <a:bodyPr anchor="ctr">
+            <a:normAutofit/>
+          </a:bodyPr>
+          <a:lstStyle/>
           <a:p>
             <a:pPr algn="ctr">
               <a:buNone/>
             </a:pPr>
             <a:r>
-              <a:rPr lang="zh-TW" altLang="en-US" sz="5400" b="1" dirty="0">
+              <a:rPr lang="zh-TW" altLang="en-US" sz="6400" b="1" dirty="0">
                 <a:solidFill>
                   <a:srgbClr val="000066"/>
                 </a:solidFill>
                 <a:latin typeface="微軟正黑體" pitchFamily="34" charset="-120"/>
                 <a:ea typeface="微軟正黑體" pitchFamily="34" charset="-120"/>
               </a:rPr>
-              <a:t>頌讚主聖名 頌讚主聖名</a:t>
-            </a:r>
-            <a:endParaRPr lang="en-US" altLang="zh-TW" sz="5400" b="1" dirty="0">
+              <a:t>神奇妙愛預備救恩</a:t>
+            </a:r>
+            <a:endParaRPr lang="en-US" altLang="zh-TW" sz="6400" b="1" dirty="0">
               <a:solidFill>
                 <a:srgbClr val="000066"/>
               </a:solidFill>
@@ -4448,23 +5064,101 @@
               <a:buNone/>
             </a:pPr>
             <a:r>
-              <a:rPr lang="zh-TW" altLang="en-US" sz="5400" b="1" dirty="0">
+              <a:rPr lang="zh-TW" altLang="en-US" sz="6400" b="1" dirty="0">
                 <a:solidFill>
                   <a:srgbClr val="000066"/>
                 </a:solidFill>
                 <a:latin typeface="微軟正黑體" pitchFamily="34" charset="-120"/>
                 <a:ea typeface="微軟正黑體" pitchFamily="34" charset="-120"/>
               </a:rPr>
-              <a:t>頌讚榮耀歸主聖名</a:t>
-            </a:r>
+              <a:t>差主為萬人死</a:t>
+            </a:r>
+            <a:endParaRPr lang="zh-TW" altLang="en-US" sz="6400" b="1" dirty="0">
+              <a:solidFill>
+                <a:srgbClr val="000066"/>
+              </a:solidFill>
+              <a:latin typeface="微軟正黑體" pitchFamily="34" charset="-120"/>
+              <a:ea typeface="微軟正黑體" pitchFamily="34" charset="-120"/>
+            </a:endParaRPr>
+          </a:p>
+        </p:txBody>
+      </p:sp>
+      <p:sp>
+        <p:nvSpPr>
+          <p:cNvPr id="3" name="TextBox 2"/>
+          <p:cNvSpPr txBox="1"/>
+          <p:nvPr/>
+        </p:nvSpPr>
+        <p:spPr>
+          <a:xfrm>
+            <a:off x="0" y="5157194"/>
+            <a:ext cx="12192000" cy="830997"/>
+          </a:xfrm>
+          <a:prstGeom prst="rect">
+            <a:avLst/>
+          </a:prstGeom>
+          <a:noFill/>
+        </p:spPr>
+        <p:txBody>
+          <a:bodyPr wrap="square" rtlCol="0">
+            <a:spAutoFit/>
+          </a:bodyPr>
+          <a:lstStyle/>
+          <a:p>
+            <a:pPr algn="ctr"/>
+            <a:r>
+              <a:rPr lang="en-US" sz="4800" b="1" dirty="0">
+                <a:solidFill>
+                  <a:srgbClr val="000066"/>
+                </a:solidFill>
+                <a:effectLst/>
+              </a:rPr>
+              <a:t>( </a:t>
+            </a:r>
+            <a:r>
+              <a:rPr lang="en-US" sz="4800" b="1" dirty="0">
+                <a:solidFill>
+                  <a:srgbClr val="000066"/>
+                </a:solidFill>
+                <a:effectLst/>
+              </a:rPr>
+              <a:t>3 </a:t>
+            </a:r>
+            <a:r>
+              <a:rPr lang="en-US" sz="4800" b="1" dirty="0">
+                <a:solidFill>
+                  <a:srgbClr val="000066"/>
+                </a:solidFill>
+                <a:effectLst/>
+              </a:rPr>
+              <a:t>)</a:t>
+            </a:r>
+            <a:endParaRPr lang="vi-VN" sz="4800" b="1" dirty="0">
+              <a:solidFill>
+                <a:srgbClr val="000066"/>
+              </a:solidFill>
+              <a:effectLst/>
+            </a:endParaRPr>
           </a:p>
         </p:txBody>
       </p:sp>
     </p:spTree>
+    <p:extLst>
+      <p:ext uri="{BB962C8B-B14F-4D97-AF65-F5344CB8AC3E}">
+        <p14:creationId xmlns:p14="http://schemas.microsoft.com/office/powerpoint/2010/main" val="519739348"/>
+      </p:ext>
+    </p:extLst>
   </p:cSld>
   <p:clrMapOvr>
     <a:masterClrMapping/>
   </p:clrMapOvr>
+  <p:timing>
+    <p:tnLst>
+      <p:par>
+        <p:cTn id="1" dur="indefinite" restart="never" nodeType="tmRoot"/>
+      </p:par>
+    </p:tnLst>
+  </p:timing>
 </p:sld>
 </file>
 

--- a/宣道詩/(宣道詩108)頌讚主名.pptx
+++ b/宣道詩/(宣道詩108)頌讚主名.pptx
@@ -317,7 +317,7 @@
             <a:fld id="{C6AA4BA2-E9B8-4EFE-9EAE-9EAA4387E320}" type="datetimeFigureOut">
               <a:rPr lang="zh-TW" altLang="en-US" smtClean="0"/>
               <a:pPr/>
-              <a:t>2021/7/8</a:t>
+              <a:t>2022/10/22</a:t>
             </a:fld>
             <a:endParaRPr lang="zh-TW" altLang="en-US"/>
           </a:p>
@@ -484,7 +484,7 @@
             <a:fld id="{C6AA4BA2-E9B8-4EFE-9EAE-9EAA4387E320}" type="datetimeFigureOut">
               <a:rPr lang="zh-TW" altLang="en-US" smtClean="0"/>
               <a:pPr/>
-              <a:t>2021/7/8</a:t>
+              <a:t>2022/10/22</a:t>
             </a:fld>
             <a:endParaRPr lang="zh-TW" altLang="en-US"/>
           </a:p>
@@ -661,7 +661,7 @@
             <a:fld id="{C6AA4BA2-E9B8-4EFE-9EAE-9EAA4387E320}" type="datetimeFigureOut">
               <a:rPr lang="zh-TW" altLang="en-US" smtClean="0"/>
               <a:pPr/>
-              <a:t>2021/7/8</a:t>
+              <a:t>2022/10/22</a:t>
             </a:fld>
             <a:endParaRPr lang="zh-TW" altLang="en-US"/>
           </a:p>
@@ -828,7 +828,7 @@
             <a:fld id="{C6AA4BA2-E9B8-4EFE-9EAE-9EAA4387E320}" type="datetimeFigureOut">
               <a:rPr lang="zh-TW" altLang="en-US" smtClean="0"/>
               <a:pPr/>
-              <a:t>2021/7/8</a:t>
+              <a:t>2022/10/22</a:t>
             </a:fld>
             <a:endParaRPr lang="zh-TW" altLang="en-US"/>
           </a:p>
@@ -1071,7 +1071,7 @@
             <a:fld id="{C6AA4BA2-E9B8-4EFE-9EAE-9EAA4387E320}" type="datetimeFigureOut">
               <a:rPr lang="zh-TW" altLang="en-US" smtClean="0"/>
               <a:pPr/>
-              <a:t>2021/7/8</a:t>
+              <a:t>2022/10/22</a:t>
             </a:fld>
             <a:endParaRPr lang="zh-TW" altLang="en-US"/>
           </a:p>
@@ -1356,7 +1356,7 @@
             <a:fld id="{C6AA4BA2-E9B8-4EFE-9EAE-9EAA4387E320}" type="datetimeFigureOut">
               <a:rPr lang="zh-TW" altLang="en-US" smtClean="0"/>
               <a:pPr/>
-              <a:t>2021/7/8</a:t>
+              <a:t>2022/10/22</a:t>
             </a:fld>
             <a:endParaRPr lang="zh-TW" altLang="en-US"/>
           </a:p>
@@ -1775,7 +1775,7 @@
             <a:fld id="{C6AA4BA2-E9B8-4EFE-9EAE-9EAA4387E320}" type="datetimeFigureOut">
               <a:rPr lang="zh-TW" altLang="en-US" smtClean="0"/>
               <a:pPr/>
-              <a:t>2021/7/8</a:t>
+              <a:t>2022/10/22</a:t>
             </a:fld>
             <a:endParaRPr lang="zh-TW" altLang="en-US"/>
           </a:p>
@@ -1890,7 +1890,7 @@
             <a:fld id="{C6AA4BA2-E9B8-4EFE-9EAE-9EAA4387E320}" type="datetimeFigureOut">
               <a:rPr lang="zh-TW" altLang="en-US" smtClean="0"/>
               <a:pPr/>
-              <a:t>2021/7/8</a:t>
+              <a:t>2022/10/22</a:t>
             </a:fld>
             <a:endParaRPr lang="zh-TW" altLang="en-US"/>
           </a:p>
@@ -1982,7 +1982,7 @@
             <a:fld id="{C6AA4BA2-E9B8-4EFE-9EAE-9EAA4387E320}" type="datetimeFigureOut">
               <a:rPr lang="zh-TW" altLang="en-US" smtClean="0"/>
               <a:pPr/>
-              <a:t>2021/7/8</a:t>
+              <a:t>2022/10/22</a:t>
             </a:fld>
             <a:endParaRPr lang="zh-TW" altLang="en-US"/>
           </a:p>
@@ -2256,7 +2256,7 @@
             <a:fld id="{C6AA4BA2-E9B8-4EFE-9EAE-9EAA4387E320}" type="datetimeFigureOut">
               <a:rPr lang="zh-TW" altLang="en-US" smtClean="0"/>
               <a:pPr/>
-              <a:t>2021/7/8</a:t>
+              <a:t>2022/10/22</a:t>
             </a:fld>
             <a:endParaRPr lang="zh-TW" altLang="en-US"/>
           </a:p>
@@ -2510,7 +2510,7 @@
             <a:fld id="{C6AA4BA2-E9B8-4EFE-9EAE-9EAA4387E320}" type="datetimeFigureOut">
               <a:rPr lang="zh-TW" altLang="en-US" smtClean="0"/>
               <a:pPr/>
-              <a:t>2021/7/8</a:t>
+              <a:t>2022/10/22</a:t>
             </a:fld>
             <a:endParaRPr lang="zh-TW" altLang="en-US"/>
           </a:p>
@@ -2725,7 +2725,7 @@
             <a:fld id="{C6AA4BA2-E9B8-4EFE-9EAE-9EAA4387E320}" type="datetimeFigureOut">
               <a:rPr lang="zh-TW" altLang="en-US" smtClean="0"/>
               <a:pPr/>
-              <a:t>2021/7/8</a:t>
+              <a:t>2022/10/22</a:t>
             </a:fld>
             <a:endParaRPr lang="zh-TW" altLang="en-US"/>
           </a:p>
@@ -3200,24 +3200,7 @@
                 <a:latin typeface="微軟正黑體" pitchFamily="34" charset="-120"/>
                 <a:ea typeface="微軟正黑體" pitchFamily="34" charset="-120"/>
               </a:rPr>
-              <a:t>頌</a:t>
-            </a:r>
-            <a:r>
-              <a:rPr lang="zh-TW" altLang="en-US" sz="8000" b="1" dirty="0">
-                <a:solidFill>
-                  <a:srgbClr val="000066"/>
-                </a:solidFill>
-                <a:effectLst>
-                  <a:outerShdw blurRad="38100" dist="38100" dir="2700000" algn="tl">
-                    <a:srgbClr val="000000">
-                      <a:alpha val="43137"/>
-                    </a:srgbClr>
-                  </a:outerShdw>
-                </a:effectLst>
-                <a:latin typeface="微軟正黑體" pitchFamily="34" charset="-120"/>
-                <a:ea typeface="微軟正黑體" pitchFamily="34" charset="-120"/>
-              </a:rPr>
-              <a:t>讚主名</a:t>
+              <a:t>頌讚主名</a:t>
             </a:r>
           </a:p>
         </p:txBody>
@@ -3356,25 +3339,7 @@
                 </a:solidFill>
                 <a:effectLst/>
               </a:rPr>
-              <a:t>( </a:t>
-            </a:r>
-            <a:r>
-              <a:rPr lang="en-US" sz="4800" b="1" dirty="0">
-                <a:solidFill>
-                  <a:srgbClr val="000066"/>
-                </a:solidFill>
-                <a:effectLst/>
-              </a:rPr>
-              <a:t>x2 </a:t>
-            </a:r>
-            <a:r>
-              <a:rPr lang="en-US" sz="4800" b="1" dirty="0">
-                <a:solidFill>
-                  <a:srgbClr val="000066"/>
-                </a:solidFill>
-                <a:effectLst/>
-              </a:rPr>
-              <a:t>)</a:t>
+              <a:t>( x2 )</a:t>
             </a:r>
             <a:endParaRPr lang="vi-VN" sz="4800" b="1" dirty="0">
               <a:solidFill>
@@ -3517,16 +3482,14 @@
                 <a:solidFill>
                   <a:srgbClr val="000066"/>
                 </a:solidFill>
-                <a:effectLst/>
               </a:rPr>
               <a:t>( </a:t>
             </a:r>
             <a:r>
-              <a:rPr lang="en-US" sz="4800" b="1" dirty="0">
+              <a:rPr lang="en-US" sz="4800" b="1" dirty="0" smtClean="0">
                 <a:solidFill>
                   <a:srgbClr val="000066"/>
                 </a:solidFill>
-                <a:effectLst/>
               </a:rPr>
               <a:t>4 </a:t>
             </a:r>
@@ -3535,15 +3498,13 @@
                 <a:solidFill>
                   <a:srgbClr val="000066"/>
                 </a:solidFill>
-                <a:effectLst/>
               </a:rPr>
-              <a:t>)</a:t>
+              <a:t>/ 4 )</a:t>
             </a:r>
             <a:endParaRPr lang="vi-VN" sz="4800" b="1" dirty="0">
               <a:solidFill>
                 <a:srgbClr val="000066"/>
               </a:solidFill>
-              <a:effectLst/>
             </a:endParaRPr>
           </a:p>
         </p:txBody>
@@ -3642,13 +3603,6 @@
               </a:rPr>
               <a:t>掌權無窮無盡</a:t>
             </a:r>
-            <a:endParaRPr lang="zh-TW" altLang="en-US" sz="6400" b="1" dirty="0">
-              <a:solidFill>
-                <a:srgbClr val="000066"/>
-              </a:solidFill>
-              <a:latin typeface="微軟正黑體" pitchFamily="34" charset="-120"/>
-              <a:ea typeface="微軟正黑體" pitchFamily="34" charset="-120"/>
-            </a:endParaRPr>
           </a:p>
         </p:txBody>
       </p:sp>
@@ -3680,33 +3634,13 @@
                 <a:solidFill>
                   <a:srgbClr val="000066"/>
                 </a:solidFill>
-                <a:effectLst/>
               </a:rPr>
-              <a:t>( </a:t>
-            </a:r>
-            <a:r>
-              <a:rPr lang="en-US" sz="4800" b="1" dirty="0">
-                <a:solidFill>
-                  <a:srgbClr val="000066"/>
-                </a:solidFill>
-                <a:effectLst/>
-              </a:rPr>
-              <a:t>4 </a:t>
-            </a:r>
-            <a:r>
-              <a:rPr lang="en-US" sz="4800" b="1" dirty="0">
-                <a:solidFill>
-                  <a:srgbClr val="000066"/>
-                </a:solidFill>
-                <a:effectLst/>
-              </a:rPr>
-              <a:t>)</a:t>
+              <a:t>( 4 / 4 )</a:t>
             </a:r>
             <a:endParaRPr lang="vi-VN" sz="4800" b="1" dirty="0">
               <a:solidFill>
                 <a:srgbClr val="000066"/>
               </a:solidFill>
-              <a:effectLst/>
             </a:endParaRPr>
           </a:p>
         </p:txBody>
@@ -3845,25 +3779,7 @@
                 </a:solidFill>
                 <a:effectLst/>
               </a:rPr>
-              <a:t>( </a:t>
-            </a:r>
-            <a:r>
-              <a:rPr lang="en-US" sz="4800" b="1" dirty="0">
-                <a:solidFill>
-                  <a:srgbClr val="000066"/>
-                </a:solidFill>
-                <a:effectLst/>
-              </a:rPr>
-              <a:t>x2 </a:t>
-            </a:r>
-            <a:r>
-              <a:rPr lang="en-US" sz="4800" b="1" dirty="0">
-                <a:solidFill>
-                  <a:srgbClr val="000066"/>
-                </a:solidFill>
-                <a:effectLst/>
-              </a:rPr>
-              <a:t>)</a:t>
+              <a:t>( x2 )</a:t>
             </a:r>
             <a:endParaRPr lang="vi-VN" sz="4800" b="1" dirty="0">
               <a:solidFill>
@@ -4008,7 +3924,16 @@
                 </a:solidFill>
                 <a:effectLst/>
               </a:rPr>
-              <a:t>( 1 )</a:t>
+              <a:t>( 1 </a:t>
+            </a:r>
+            <a:r>
+              <a:rPr lang="en-US" sz="4800" b="1" dirty="0" smtClean="0">
+                <a:solidFill>
+                  <a:srgbClr val="000066"/>
+                </a:solidFill>
+                <a:effectLst/>
+              </a:rPr>
+              <a:t>/ 4 )</a:t>
             </a:r>
             <a:endParaRPr lang="vi-VN" sz="4800" b="1" dirty="0">
               <a:solidFill>
@@ -4113,13 +4038,6 @@
               </a:rPr>
               <a:t>為人受死捨身</a:t>
             </a:r>
-            <a:endParaRPr lang="zh-TW" altLang="en-US" sz="6400" b="1" dirty="0">
-              <a:solidFill>
-                <a:srgbClr val="000066"/>
-              </a:solidFill>
-              <a:latin typeface="微軟正黑體" pitchFamily="34" charset="-120"/>
-              <a:ea typeface="微軟正黑體" pitchFamily="34" charset="-120"/>
-            </a:endParaRPr>
           </a:p>
         </p:txBody>
       </p:sp>
@@ -4151,15 +4069,13 @@
                 <a:solidFill>
                   <a:srgbClr val="000066"/>
                 </a:solidFill>
-                <a:effectLst/>
               </a:rPr>
-              <a:t>( 1 )</a:t>
+              <a:t>( 1 / 4 )</a:t>
             </a:r>
             <a:endParaRPr lang="vi-VN" sz="4800" b="1" dirty="0">
               <a:solidFill>
                 <a:srgbClr val="000066"/>
               </a:solidFill>
-              <a:effectLst/>
             </a:endParaRPr>
           </a:p>
         </p:txBody>
@@ -4298,25 +4214,7 @@
                 </a:solidFill>
                 <a:effectLst/>
               </a:rPr>
-              <a:t>( </a:t>
-            </a:r>
-            <a:r>
-              <a:rPr lang="en-US" sz="4800" b="1" dirty="0">
-                <a:solidFill>
-                  <a:srgbClr val="000066"/>
-                </a:solidFill>
-                <a:effectLst/>
-              </a:rPr>
-              <a:t>x2 </a:t>
-            </a:r>
-            <a:r>
-              <a:rPr lang="en-US" sz="4800" b="1" dirty="0">
-                <a:solidFill>
-                  <a:srgbClr val="000066"/>
-                </a:solidFill>
-                <a:effectLst/>
-              </a:rPr>
-              <a:t>)</a:t>
+              <a:t>( x2 )</a:t>
             </a:r>
             <a:endParaRPr lang="vi-VN" sz="4800" b="1" dirty="0">
               <a:solidFill>
@@ -4459,16 +4357,14 @@
                 <a:solidFill>
                   <a:srgbClr val="000066"/>
                 </a:solidFill>
-                <a:effectLst/>
               </a:rPr>
               <a:t>( </a:t>
             </a:r>
             <a:r>
-              <a:rPr lang="en-US" sz="4800" b="1" dirty="0">
+              <a:rPr lang="en-US" sz="4800" b="1" dirty="0" smtClean="0">
                 <a:solidFill>
                   <a:srgbClr val="000066"/>
                 </a:solidFill>
-                <a:effectLst/>
               </a:rPr>
               <a:t>2 </a:t>
             </a:r>
@@ -4477,15 +4373,13 @@
                 <a:solidFill>
                   <a:srgbClr val="000066"/>
                 </a:solidFill>
-                <a:effectLst/>
               </a:rPr>
-              <a:t>)</a:t>
+              <a:t>/ 4 )</a:t>
             </a:r>
             <a:endParaRPr lang="vi-VN" sz="4800" b="1" dirty="0">
               <a:solidFill>
                 <a:srgbClr val="000066"/>
               </a:solidFill>
-              <a:effectLst/>
             </a:endParaRPr>
           </a:p>
         </p:txBody>
@@ -4584,13 +4478,6 @@
               </a:rPr>
               <a:t>天使崇拜奉敬</a:t>
             </a:r>
-            <a:endParaRPr lang="zh-TW" altLang="en-US" sz="6400" b="1" dirty="0">
-              <a:solidFill>
-                <a:srgbClr val="000066"/>
-              </a:solidFill>
-              <a:latin typeface="微軟正黑體" pitchFamily="34" charset="-120"/>
-              <a:ea typeface="微軟正黑體" pitchFamily="34" charset="-120"/>
-            </a:endParaRPr>
           </a:p>
         </p:txBody>
       </p:sp>
@@ -4622,33 +4509,13 @@
                 <a:solidFill>
                   <a:srgbClr val="000066"/>
                 </a:solidFill>
-                <a:effectLst/>
               </a:rPr>
-              <a:t>( </a:t>
-            </a:r>
-            <a:r>
-              <a:rPr lang="en-US" sz="4800" b="1" dirty="0">
-                <a:solidFill>
-                  <a:srgbClr val="000066"/>
-                </a:solidFill>
-                <a:effectLst/>
-              </a:rPr>
-              <a:t>2 </a:t>
-            </a:r>
-            <a:r>
-              <a:rPr lang="en-US" sz="4800" b="1" dirty="0">
-                <a:solidFill>
-                  <a:srgbClr val="000066"/>
-                </a:solidFill>
-                <a:effectLst/>
-              </a:rPr>
-              <a:t>)</a:t>
+              <a:t>( 2 / 4 )</a:t>
             </a:r>
             <a:endParaRPr lang="vi-VN" sz="4800" b="1" dirty="0">
               <a:solidFill>
                 <a:srgbClr val="000066"/>
               </a:solidFill>
-              <a:effectLst/>
             </a:endParaRPr>
           </a:p>
         </p:txBody>
@@ -4787,25 +4654,7 @@
                 </a:solidFill>
                 <a:effectLst/>
               </a:rPr>
-              <a:t>( </a:t>
-            </a:r>
-            <a:r>
-              <a:rPr lang="en-US" sz="4800" b="1" dirty="0">
-                <a:solidFill>
-                  <a:srgbClr val="000066"/>
-                </a:solidFill>
-                <a:effectLst/>
-              </a:rPr>
-              <a:t>x2 </a:t>
-            </a:r>
-            <a:r>
-              <a:rPr lang="en-US" sz="4800" b="1" dirty="0">
-                <a:solidFill>
-                  <a:srgbClr val="000066"/>
-                </a:solidFill>
-                <a:effectLst/>
-              </a:rPr>
-              <a:t>)</a:t>
+              <a:t>( x2 )</a:t>
             </a:r>
             <a:endParaRPr lang="vi-VN" sz="4800" b="1" dirty="0">
               <a:solidFill>
@@ -4948,16 +4797,14 @@
                 <a:solidFill>
                   <a:srgbClr val="000066"/>
                 </a:solidFill>
-                <a:effectLst/>
               </a:rPr>
               <a:t>( </a:t>
             </a:r>
             <a:r>
-              <a:rPr lang="en-US" sz="4800" b="1" dirty="0">
+              <a:rPr lang="en-US" sz="4800" b="1" dirty="0" smtClean="0">
                 <a:solidFill>
                   <a:srgbClr val="000066"/>
                 </a:solidFill>
-                <a:effectLst/>
               </a:rPr>
               <a:t>3 </a:t>
             </a:r>
@@ -4966,15 +4813,13 @@
                 <a:solidFill>
                   <a:srgbClr val="000066"/>
                 </a:solidFill>
-                <a:effectLst/>
               </a:rPr>
-              <a:t>)</a:t>
+              <a:t>/ 4 )</a:t>
             </a:r>
             <a:endParaRPr lang="vi-VN" sz="4800" b="1" dirty="0">
               <a:solidFill>
                 <a:srgbClr val="000066"/>
               </a:solidFill>
-              <a:effectLst/>
             </a:endParaRPr>
           </a:p>
         </p:txBody>
@@ -5073,13 +4918,6 @@
               </a:rPr>
               <a:t>差主為萬人死</a:t>
             </a:r>
-            <a:endParaRPr lang="zh-TW" altLang="en-US" sz="6400" b="1" dirty="0">
-              <a:solidFill>
-                <a:srgbClr val="000066"/>
-              </a:solidFill>
-              <a:latin typeface="微軟正黑體" pitchFamily="34" charset="-120"/>
-              <a:ea typeface="微軟正黑體" pitchFamily="34" charset="-120"/>
-            </a:endParaRPr>
           </a:p>
         </p:txBody>
       </p:sp>
@@ -5111,33 +4949,13 @@
                 <a:solidFill>
                   <a:srgbClr val="000066"/>
                 </a:solidFill>
-                <a:effectLst/>
               </a:rPr>
-              <a:t>( </a:t>
-            </a:r>
-            <a:r>
-              <a:rPr lang="en-US" sz="4800" b="1" dirty="0">
-                <a:solidFill>
-                  <a:srgbClr val="000066"/>
-                </a:solidFill>
-                <a:effectLst/>
-              </a:rPr>
-              <a:t>3 </a:t>
-            </a:r>
-            <a:r>
-              <a:rPr lang="en-US" sz="4800" b="1" dirty="0">
-                <a:solidFill>
-                  <a:srgbClr val="000066"/>
-                </a:solidFill>
-                <a:effectLst/>
-              </a:rPr>
-              <a:t>)</a:t>
+              <a:t>( 3 / 4 )</a:t>
             </a:r>
             <a:endParaRPr lang="vi-VN" sz="4800" b="1" dirty="0">
               <a:solidFill>
                 <a:srgbClr val="000066"/>
               </a:solidFill>
-              <a:effectLst/>
             </a:endParaRPr>
           </a:p>
         </p:txBody>

--- a/宣道詩/(宣道詩108)頌讚主名.pptx
+++ b/宣道詩/(宣道詩108)頌讚主名.pptx
@@ -118,7 +118,7 @@
   </p:defaultTextStyle>
   <p:extLst>
     <p:ext uri="{EFAFB233-063F-42B5-8137-9DF3F51BA10A}">
-      <p15:sldGuideLst xmlns:p15="http://schemas.microsoft.com/office/powerpoint/2012/main">
+      <p15:sldGuideLst xmlns:p15="http://schemas.microsoft.com/office/powerpoint/2012/main" xmlns="">
         <p15:guide id="1" orient="horz" pos="2160" userDrawn="1">
           <p15:clr>
             <a:srgbClr val="A4A3A4"/>
@@ -164,7 +164,7 @@
         </p:nvSpPr>
         <p:spPr>
           <a:xfrm>
-            <a:off x="914400" y="2130426"/>
+            <a:off x="914400" y="2130476"/>
             <a:ext cx="10363200" cy="1470025"/>
           </a:xfrm>
         </p:spPr>
@@ -317,7 +317,7 @@
             <a:fld id="{C6AA4BA2-E9B8-4EFE-9EAE-9EAA4387E320}" type="datetimeFigureOut">
               <a:rPr lang="zh-TW" altLang="en-US" smtClean="0"/>
               <a:pPr/>
-              <a:t>2022/10/22</a:t>
+              <a:t>2022/11/22</a:t>
             </a:fld>
             <a:endParaRPr lang="zh-TW" altLang="en-US"/>
           </a:p>
@@ -484,7 +484,7 @@
             <a:fld id="{C6AA4BA2-E9B8-4EFE-9EAE-9EAA4387E320}" type="datetimeFigureOut">
               <a:rPr lang="zh-TW" altLang="en-US" smtClean="0"/>
               <a:pPr/>
-              <a:t>2022/10/22</a:t>
+              <a:t>2022/11/22</a:t>
             </a:fld>
             <a:endParaRPr lang="zh-TW" altLang="en-US"/>
           </a:p>
@@ -661,7 +661,7 @@
             <a:fld id="{C6AA4BA2-E9B8-4EFE-9EAE-9EAA4387E320}" type="datetimeFigureOut">
               <a:rPr lang="zh-TW" altLang="en-US" smtClean="0"/>
               <a:pPr/>
-              <a:t>2022/10/22</a:t>
+              <a:t>2022/11/22</a:t>
             </a:fld>
             <a:endParaRPr lang="zh-TW" altLang="en-US"/>
           </a:p>
@@ -828,7 +828,7 @@
             <a:fld id="{C6AA4BA2-E9B8-4EFE-9EAE-9EAA4387E320}" type="datetimeFigureOut">
               <a:rPr lang="zh-TW" altLang="en-US" smtClean="0"/>
               <a:pPr/>
-              <a:t>2022/10/22</a:t>
+              <a:t>2022/11/22</a:t>
             </a:fld>
             <a:endParaRPr lang="zh-TW" altLang="en-US"/>
           </a:p>
@@ -914,7 +914,7 @@
         </p:nvSpPr>
         <p:spPr>
           <a:xfrm>
-            <a:off x="963084" y="4406901"/>
+            <a:off x="963084" y="4406951"/>
             <a:ext cx="10363200" cy="1362075"/>
           </a:xfrm>
         </p:spPr>
@@ -1071,7 +1071,7 @@
             <a:fld id="{C6AA4BA2-E9B8-4EFE-9EAE-9EAA4387E320}" type="datetimeFigureOut">
               <a:rPr lang="zh-TW" altLang="en-US" smtClean="0"/>
               <a:pPr/>
-              <a:t>2022/10/22</a:t>
+              <a:t>2022/11/22</a:t>
             </a:fld>
             <a:endParaRPr lang="zh-TW" altLang="en-US"/>
           </a:p>
@@ -1180,7 +1180,7 @@
         </p:nvSpPr>
         <p:spPr>
           <a:xfrm>
-            <a:off x="609600" y="1600201"/>
+            <a:off x="609600" y="1600204"/>
             <a:ext cx="5384800" cy="4525963"/>
           </a:xfrm>
         </p:spPr>
@@ -1265,7 +1265,7 @@
         </p:nvSpPr>
         <p:spPr>
           <a:xfrm>
-            <a:off x="6197600" y="1600201"/>
+            <a:off x="6197600" y="1600204"/>
             <a:ext cx="5384800" cy="4525963"/>
           </a:xfrm>
         </p:spPr>
@@ -1356,7 +1356,7 @@
             <a:fld id="{C6AA4BA2-E9B8-4EFE-9EAE-9EAA4387E320}" type="datetimeFigureOut">
               <a:rPr lang="zh-TW" altLang="en-US" smtClean="0"/>
               <a:pPr/>
-              <a:t>2022/10/22</a:t>
+              <a:t>2022/11/22</a:t>
             </a:fld>
             <a:endParaRPr lang="zh-TW" altLang="en-US"/>
           </a:p>
@@ -1619,7 +1619,7 @@
         </p:nvSpPr>
         <p:spPr>
           <a:xfrm>
-            <a:off x="6193368" y="1535113"/>
+            <a:off x="6193401" y="1535113"/>
             <a:ext cx="5389033" cy="639762"/>
           </a:xfrm>
         </p:spPr>
@@ -1684,7 +1684,7 @@
         </p:nvSpPr>
         <p:spPr>
           <a:xfrm>
-            <a:off x="6193368" y="2174875"/>
+            <a:off x="6193401" y="2174875"/>
             <a:ext cx="5389033" cy="3951288"/>
           </a:xfrm>
         </p:spPr>
@@ -1775,7 +1775,7 @@
             <a:fld id="{C6AA4BA2-E9B8-4EFE-9EAE-9EAA4387E320}" type="datetimeFigureOut">
               <a:rPr lang="zh-TW" altLang="en-US" smtClean="0"/>
               <a:pPr/>
-              <a:t>2022/10/22</a:t>
+              <a:t>2022/11/22</a:t>
             </a:fld>
             <a:endParaRPr lang="zh-TW" altLang="en-US"/>
           </a:p>
@@ -1890,7 +1890,7 @@
             <a:fld id="{C6AA4BA2-E9B8-4EFE-9EAE-9EAA4387E320}" type="datetimeFigureOut">
               <a:rPr lang="zh-TW" altLang="en-US" smtClean="0"/>
               <a:pPr/>
-              <a:t>2022/10/22</a:t>
+              <a:t>2022/11/22</a:t>
             </a:fld>
             <a:endParaRPr lang="zh-TW" altLang="en-US"/>
           </a:p>
@@ -1982,7 +1982,7 @@
             <a:fld id="{C6AA4BA2-E9B8-4EFE-9EAE-9EAA4387E320}" type="datetimeFigureOut">
               <a:rPr lang="zh-TW" altLang="en-US" smtClean="0"/>
               <a:pPr/>
-              <a:t>2022/10/22</a:t>
+              <a:t>2022/11/22</a:t>
             </a:fld>
             <a:endParaRPr lang="zh-TW" altLang="en-US"/>
           </a:p>
@@ -2068,7 +2068,7 @@
         </p:nvSpPr>
         <p:spPr>
           <a:xfrm>
-            <a:off x="609601" y="273050"/>
+            <a:off x="609603" y="273050"/>
             <a:ext cx="4011084" cy="1162050"/>
           </a:xfrm>
         </p:spPr>
@@ -2100,7 +2100,7 @@
         </p:nvSpPr>
         <p:spPr>
           <a:xfrm>
-            <a:off x="4766733" y="273051"/>
+            <a:off x="4766733" y="273052"/>
             <a:ext cx="6815667" cy="5853113"/>
           </a:xfrm>
         </p:spPr>
@@ -2185,7 +2185,7 @@
         </p:nvSpPr>
         <p:spPr>
           <a:xfrm>
-            <a:off x="609601" y="1435101"/>
+            <a:off x="609603" y="1435102"/>
             <a:ext cx="4011084" cy="4691063"/>
           </a:xfrm>
         </p:spPr>
@@ -2256,7 +2256,7 @@
             <a:fld id="{C6AA4BA2-E9B8-4EFE-9EAE-9EAA4387E320}" type="datetimeFigureOut">
               <a:rPr lang="zh-TW" altLang="en-US" smtClean="0"/>
               <a:pPr/>
-              <a:t>2022/10/22</a:t>
+              <a:t>2022/11/22</a:t>
             </a:fld>
             <a:endParaRPr lang="zh-TW" altLang="en-US"/>
           </a:p>
@@ -2510,7 +2510,7 @@
             <a:fld id="{C6AA4BA2-E9B8-4EFE-9EAE-9EAA4387E320}" type="datetimeFigureOut">
               <a:rPr lang="zh-TW" altLang="en-US" smtClean="0"/>
               <a:pPr/>
-              <a:t>2022/10/22</a:t>
+              <a:t>2022/11/22</a:t>
             </a:fld>
             <a:endParaRPr lang="zh-TW" altLang="en-US"/>
           </a:p>
@@ -2639,7 +2639,7 @@
         </p:nvSpPr>
         <p:spPr>
           <a:xfrm>
-            <a:off x="609600" y="1600201"/>
+            <a:off x="609600" y="1600204"/>
             <a:ext cx="10972800" cy="4525963"/>
           </a:xfrm>
           <a:prstGeom prst="rect">
@@ -2701,7 +2701,7 @@
         </p:nvSpPr>
         <p:spPr>
           <a:xfrm>
-            <a:off x="609600" y="6356351"/>
+            <a:off x="609600" y="6356401"/>
             <a:ext cx="2844800" cy="365125"/>
           </a:xfrm>
           <a:prstGeom prst="rect">
@@ -2725,7 +2725,7 @@
             <a:fld id="{C6AA4BA2-E9B8-4EFE-9EAE-9EAA4387E320}" type="datetimeFigureOut">
               <a:rPr lang="zh-TW" altLang="en-US" smtClean="0"/>
               <a:pPr/>
-              <a:t>2022/10/22</a:t>
+              <a:t>2022/11/22</a:t>
             </a:fld>
             <a:endParaRPr lang="zh-TW" altLang="en-US"/>
           </a:p>
@@ -2743,7 +2743,7 @@
         </p:nvSpPr>
         <p:spPr>
           <a:xfrm>
-            <a:off x="4165600" y="6356351"/>
+            <a:off x="4165600" y="6356401"/>
             <a:ext cx="3860800" cy="365125"/>
           </a:xfrm>
           <a:prstGeom prst="rect">
@@ -2780,7 +2780,7 @@
         </p:nvSpPr>
         <p:spPr>
           <a:xfrm>
-            <a:off x="8737600" y="6356351"/>
+            <a:off x="8737600" y="6356401"/>
             <a:ext cx="2844800" cy="365125"/>
           </a:xfrm>
           <a:prstGeom prst="rect">
@@ -3208,7 +3208,7 @@
     </p:spTree>
     <p:extLst>
       <p:ext uri="{BB962C8B-B14F-4D97-AF65-F5344CB8AC3E}">
-        <p14:creationId xmlns:p14="http://schemas.microsoft.com/office/powerpoint/2010/main" val="2948743791"/>
+        <p14:creationId xmlns:p14="http://schemas.microsoft.com/office/powerpoint/2010/main" xmlns="" val="2948743791"/>
       </p:ext>
     </p:extLst>
   </p:cSld>
@@ -3317,7 +3317,7 @@
         </p:nvSpPr>
         <p:spPr>
           <a:xfrm>
-            <a:off x="0" y="5157194"/>
+            <a:off x="0" y="5157244"/>
             <a:ext cx="12192000" cy="830997"/>
           </a:xfrm>
           <a:prstGeom prst="rect">
@@ -3353,7 +3353,7 @@
     </p:spTree>
     <p:extLst>
       <p:ext uri="{BB962C8B-B14F-4D97-AF65-F5344CB8AC3E}">
-        <p14:creationId xmlns:p14="http://schemas.microsoft.com/office/powerpoint/2010/main" val="664960521"/>
+        <p14:creationId xmlns:p14="http://schemas.microsoft.com/office/powerpoint/2010/main" xmlns="" val="664960521"/>
       </p:ext>
     </p:extLst>
   </p:cSld>
@@ -3462,7 +3462,7 @@
         </p:nvSpPr>
         <p:spPr>
           <a:xfrm>
-            <a:off x="0" y="5157194"/>
+            <a:off x="0" y="5157244"/>
             <a:ext cx="12192000" cy="830997"/>
           </a:xfrm>
           <a:prstGeom prst="rect">
@@ -3512,7 +3512,7 @@
     </p:spTree>
     <p:extLst>
       <p:ext uri="{BB962C8B-B14F-4D97-AF65-F5344CB8AC3E}">
-        <p14:creationId xmlns:p14="http://schemas.microsoft.com/office/powerpoint/2010/main" val="3209160743"/>
+        <p14:creationId xmlns:p14="http://schemas.microsoft.com/office/powerpoint/2010/main" xmlns="" val="3209160743"/>
       </p:ext>
     </p:extLst>
   </p:cSld>
@@ -3614,7 +3614,7 @@
         </p:nvSpPr>
         <p:spPr>
           <a:xfrm>
-            <a:off x="0" y="5157194"/>
+            <a:off x="0" y="5157244"/>
             <a:ext cx="12192000" cy="830997"/>
           </a:xfrm>
           <a:prstGeom prst="rect">
@@ -3648,7 +3648,7 @@
     </p:spTree>
     <p:extLst>
       <p:ext uri="{BB962C8B-B14F-4D97-AF65-F5344CB8AC3E}">
-        <p14:creationId xmlns:p14="http://schemas.microsoft.com/office/powerpoint/2010/main" val="92835997"/>
+        <p14:creationId xmlns:p14="http://schemas.microsoft.com/office/powerpoint/2010/main" xmlns="" val="92835997"/>
       </p:ext>
     </p:extLst>
   </p:cSld>
@@ -3757,7 +3757,7 @@
         </p:nvSpPr>
         <p:spPr>
           <a:xfrm>
-            <a:off x="0" y="5157194"/>
+            <a:off x="0" y="5157244"/>
             <a:ext cx="12192000" cy="830997"/>
           </a:xfrm>
           <a:prstGeom prst="rect">
@@ -3793,7 +3793,7 @@
     </p:spTree>
     <p:extLst>
       <p:ext uri="{BB962C8B-B14F-4D97-AF65-F5344CB8AC3E}">
-        <p14:creationId xmlns:p14="http://schemas.microsoft.com/office/powerpoint/2010/main" val="3278338163"/>
+        <p14:creationId xmlns:p14="http://schemas.microsoft.com/office/powerpoint/2010/main" xmlns="" val="3278338163"/>
       </p:ext>
     </p:extLst>
   </p:cSld>
@@ -3902,7 +3902,7 @@
         </p:nvSpPr>
         <p:spPr>
           <a:xfrm>
-            <a:off x="0" y="5157194"/>
+            <a:off x="0" y="5157244"/>
             <a:ext cx="12192000" cy="830997"/>
           </a:xfrm>
           <a:prstGeom prst="rect">
@@ -3947,7 +3947,7 @@
     </p:spTree>
     <p:extLst>
       <p:ext uri="{BB962C8B-B14F-4D97-AF65-F5344CB8AC3E}">
-        <p14:creationId xmlns:p14="http://schemas.microsoft.com/office/powerpoint/2010/main" val="1652222198"/>
+        <p14:creationId xmlns:p14="http://schemas.microsoft.com/office/powerpoint/2010/main" xmlns="" val="1652222198"/>
       </p:ext>
     </p:extLst>
   </p:cSld>
@@ -4049,7 +4049,7 @@
         </p:nvSpPr>
         <p:spPr>
           <a:xfrm>
-            <a:off x="0" y="5157194"/>
+            <a:off x="0" y="5157244"/>
             <a:ext cx="12192000" cy="830997"/>
           </a:xfrm>
           <a:prstGeom prst="rect">
@@ -4083,7 +4083,7 @@
     </p:spTree>
     <p:extLst>
       <p:ext uri="{BB962C8B-B14F-4D97-AF65-F5344CB8AC3E}">
-        <p14:creationId xmlns:p14="http://schemas.microsoft.com/office/powerpoint/2010/main" val="282867053"/>
+        <p14:creationId xmlns:p14="http://schemas.microsoft.com/office/powerpoint/2010/main" xmlns="" val="282867053"/>
       </p:ext>
     </p:extLst>
   </p:cSld>
@@ -4192,7 +4192,7 @@
         </p:nvSpPr>
         <p:spPr>
           <a:xfrm>
-            <a:off x="0" y="5157194"/>
+            <a:off x="0" y="5157244"/>
             <a:ext cx="12192000" cy="830997"/>
           </a:xfrm>
           <a:prstGeom prst="rect">
@@ -4228,7 +4228,7 @@
     </p:spTree>
     <p:extLst>
       <p:ext uri="{BB962C8B-B14F-4D97-AF65-F5344CB8AC3E}">
-        <p14:creationId xmlns:p14="http://schemas.microsoft.com/office/powerpoint/2010/main" val="749072301"/>
+        <p14:creationId xmlns:p14="http://schemas.microsoft.com/office/powerpoint/2010/main" xmlns="" val="749072301"/>
       </p:ext>
     </p:extLst>
   </p:cSld>
@@ -4337,7 +4337,7 @@
         </p:nvSpPr>
         <p:spPr>
           <a:xfrm>
-            <a:off x="0" y="5157194"/>
+            <a:off x="0" y="5157244"/>
             <a:ext cx="12192000" cy="830997"/>
           </a:xfrm>
           <a:prstGeom prst="rect">
@@ -4387,7 +4387,7 @@
     </p:spTree>
     <p:extLst>
       <p:ext uri="{BB962C8B-B14F-4D97-AF65-F5344CB8AC3E}">
-        <p14:creationId xmlns:p14="http://schemas.microsoft.com/office/powerpoint/2010/main" val="1490601079"/>
+        <p14:creationId xmlns:p14="http://schemas.microsoft.com/office/powerpoint/2010/main" xmlns="" val="1490601079"/>
       </p:ext>
     </p:extLst>
   </p:cSld>
@@ -4489,7 +4489,7 @@
         </p:nvSpPr>
         <p:spPr>
           <a:xfrm>
-            <a:off x="0" y="5157194"/>
+            <a:off x="0" y="5157244"/>
             <a:ext cx="12192000" cy="830997"/>
           </a:xfrm>
           <a:prstGeom prst="rect">
@@ -4523,7 +4523,7 @@
     </p:spTree>
     <p:extLst>
       <p:ext uri="{BB962C8B-B14F-4D97-AF65-F5344CB8AC3E}">
-        <p14:creationId xmlns:p14="http://schemas.microsoft.com/office/powerpoint/2010/main" val="3254057356"/>
+        <p14:creationId xmlns:p14="http://schemas.microsoft.com/office/powerpoint/2010/main" xmlns="" val="3254057356"/>
       </p:ext>
     </p:extLst>
   </p:cSld>
@@ -4632,7 +4632,7 @@
         </p:nvSpPr>
         <p:spPr>
           <a:xfrm>
-            <a:off x="0" y="5157194"/>
+            <a:off x="0" y="5157244"/>
             <a:ext cx="12192000" cy="830997"/>
           </a:xfrm>
           <a:prstGeom prst="rect">
@@ -4668,7 +4668,7 @@
     </p:spTree>
     <p:extLst>
       <p:ext uri="{BB962C8B-B14F-4D97-AF65-F5344CB8AC3E}">
-        <p14:creationId xmlns:p14="http://schemas.microsoft.com/office/powerpoint/2010/main" val="2592621456"/>
+        <p14:creationId xmlns:p14="http://schemas.microsoft.com/office/powerpoint/2010/main" xmlns="" val="2592621456"/>
       </p:ext>
     </p:extLst>
   </p:cSld>
@@ -4777,7 +4777,7 @@
         </p:nvSpPr>
         <p:spPr>
           <a:xfrm>
-            <a:off x="0" y="5157194"/>
+            <a:off x="0" y="5157244"/>
             <a:ext cx="12192000" cy="830997"/>
           </a:xfrm>
           <a:prstGeom prst="rect">
@@ -4827,7 +4827,7 @@
     </p:spTree>
     <p:extLst>
       <p:ext uri="{BB962C8B-B14F-4D97-AF65-F5344CB8AC3E}">
-        <p14:creationId xmlns:p14="http://schemas.microsoft.com/office/powerpoint/2010/main" val="2015581171"/>
+        <p14:creationId xmlns:p14="http://schemas.microsoft.com/office/powerpoint/2010/main" xmlns="" val="2015581171"/>
       </p:ext>
     </p:extLst>
   </p:cSld>
@@ -4929,7 +4929,7 @@
         </p:nvSpPr>
         <p:spPr>
           <a:xfrm>
-            <a:off x="0" y="5157194"/>
+            <a:off x="0" y="5157244"/>
             <a:ext cx="12192000" cy="830997"/>
           </a:xfrm>
           <a:prstGeom prst="rect">
@@ -4963,7 +4963,7 @@
     </p:spTree>
     <p:extLst>
       <p:ext uri="{BB962C8B-B14F-4D97-AF65-F5344CB8AC3E}">
-        <p14:creationId xmlns:p14="http://schemas.microsoft.com/office/powerpoint/2010/main" val="519739348"/>
+        <p14:creationId xmlns:p14="http://schemas.microsoft.com/office/powerpoint/2010/main" xmlns="" val="519739348"/>
       </p:ext>
     </p:extLst>
   </p:cSld>
